--- a/Documents/PräsentationProjectUnknown.pptx
+++ b/Documents/PräsentationProjectUnknown.pptx
@@ -2,7 +2,7 @@
 <file path=ppt/presentation.xml><?xml version="1.0" encoding="utf-8"?>
 <p:presentation xmlns:a="http://schemas.openxmlformats.org/drawingml/2006/main" xmlns:r="http://schemas.openxmlformats.org/officeDocument/2006/relationships" xmlns:p="http://schemas.openxmlformats.org/presentationml/2006/main" saveSubsetFonts="1">
   <p:sldMasterIdLst>
-    <p:sldMasterId id="2147483648" r:id="rId1"/>
+    <p:sldMasterId id="2147483702" r:id="rId1"/>
   </p:sldMasterIdLst>
   <p:sldIdLst>
     <p:sldId id="256" r:id="rId2"/>
@@ -108,11 +108,16 @@
       </a:defRPr>
     </a:lvl9pPr>
   </p:defaultTextStyle>
+  <p:extLst>
+    <p:ext uri="{EFAFB233-063F-42B5-8137-9DF3F51BA10A}">
+      <p15:sldGuideLst xmlns:p15="http://schemas.microsoft.com/office/powerpoint/2012/main"/>
+    </p:ext>
+  </p:extLst>
 </p:presentation>
 </file>
 
 <file path=ppt/slideLayouts/slideLayout1.xml><?xml version="1.0" encoding="utf-8"?>
-<p:sldLayout xmlns:a="http://schemas.openxmlformats.org/drawingml/2006/main" xmlns:r="http://schemas.openxmlformats.org/officeDocument/2006/relationships" xmlns:p="http://schemas.openxmlformats.org/presentationml/2006/main" type="title" preserve="1">
+<p:sldLayout xmlns:a="http://schemas.openxmlformats.org/drawingml/2006/main" xmlns:r="http://schemas.openxmlformats.org/officeDocument/2006/relationships" xmlns:p="http://schemas.openxmlformats.org/presentationml/2006/main" showMasterSp="0" type="title" preserve="1">
   <p:cSld name="Titelfolie">
     <p:spTree>
       <p:nvGrpSpPr>
@@ -130,7 +135,85 @@
       </p:grpSpPr>
       <p:sp>
         <p:nvSpPr>
-          <p:cNvPr id="2" name="Titel 1"/>
+          <p:cNvPr id="7" name="Rectangle 6"/>
+          <p:cNvSpPr/>
+          <p:nvPr/>
+        </p:nvSpPr>
+        <p:spPr>
+          <a:xfrm>
+            <a:off x="3175" y="6400800"/>
+            <a:ext cx="12188825" cy="457200"/>
+          </a:xfrm>
+          <a:prstGeom prst="rect">
+            <a:avLst/>
+          </a:prstGeom>
+          <a:solidFill>
+            <a:schemeClr val="accent4">
+              <a:lumMod val="75000"/>
+            </a:schemeClr>
+          </a:solidFill>
+          <a:ln>
+            <a:noFill/>
+          </a:ln>
+        </p:spPr>
+        <p:style>
+          <a:lnRef idx="2">
+            <a:schemeClr val="accent1">
+              <a:shade val="50000"/>
+            </a:schemeClr>
+          </a:lnRef>
+          <a:fillRef idx="1">
+            <a:schemeClr val="accent1"/>
+          </a:fillRef>
+          <a:effectRef idx="0">
+            <a:schemeClr val="accent1"/>
+          </a:effectRef>
+          <a:fontRef idx="minor">
+            <a:schemeClr val="lt1"/>
+          </a:fontRef>
+        </p:style>
+      </p:sp>
+      <p:sp>
+        <p:nvSpPr>
+          <p:cNvPr id="8" name="Rectangle 7"/>
+          <p:cNvSpPr/>
+          <p:nvPr/>
+        </p:nvSpPr>
+        <p:spPr>
+          <a:xfrm>
+            <a:off x="15" y="6334316"/>
+            <a:ext cx="12188825" cy="64008"/>
+          </a:xfrm>
+          <a:prstGeom prst="rect">
+            <a:avLst/>
+          </a:prstGeom>
+          <a:solidFill>
+            <a:schemeClr val="accent4"/>
+          </a:solidFill>
+          <a:ln>
+            <a:noFill/>
+          </a:ln>
+        </p:spPr>
+        <p:style>
+          <a:lnRef idx="2">
+            <a:schemeClr val="accent1">
+              <a:shade val="50000"/>
+            </a:schemeClr>
+          </a:lnRef>
+          <a:fillRef idx="1">
+            <a:schemeClr val="accent1"/>
+          </a:fillRef>
+          <a:effectRef idx="0">
+            <a:schemeClr val="accent1"/>
+          </a:effectRef>
+          <a:fontRef idx="minor">
+            <a:schemeClr val="lt1"/>
+          </a:fontRef>
+        </p:style>
+      </p:sp>
+      <p:sp>
+        <p:nvSpPr>
+          <p:cNvPr id="2" name="Title 1"/>
           <p:cNvSpPr>
             <a:spLocks noGrp="1"/>
           </p:cNvSpPr>
@@ -140,15 +223,27 @@
         </p:nvSpPr>
         <p:spPr>
           <a:xfrm>
-            <a:off x="1524000" y="1122363"/>
-            <a:ext cx="9144000" cy="2387600"/>
-          </a:xfrm>
-        </p:spPr>
-        <p:txBody>
-          <a:bodyPr anchor="b"/>
+            <a:off x="1097280" y="758952"/>
+            <a:ext cx="10058400" cy="3566160"/>
+          </a:xfrm>
+        </p:spPr>
+        <p:txBody>
+          <a:bodyPr anchor="b">
+            <a:normAutofit/>
+          </a:bodyPr>
           <a:lstStyle>
-            <a:lvl1pPr algn="ctr">
-              <a:defRPr sz="6000"/>
+            <a:lvl1pPr algn="l">
+              <a:lnSpc>
+                <a:spcPct val="85000"/>
+              </a:lnSpc>
+              <a:defRPr sz="8000" spc="-50" baseline="0">
+                <a:solidFill>
+                  <a:schemeClr val="tx1">
+                    <a:lumMod val="85000"/>
+                    <a:lumOff val="15000"/>
+                  </a:schemeClr>
+                </a:solidFill>
+              </a:defRPr>
             </a:lvl1pPr>
           </a:lstStyle>
           <a:p>
@@ -156,13 +251,13 @@
               <a:rPr lang="de-DE" smtClean="0"/>
               <a:t>Titelmasterformat durch Klicken bearbeiten</a:t>
             </a:r>
-            <a:endParaRPr lang="de-DE"/>
-          </a:p>
-        </p:txBody>
-      </p:sp>
-      <p:sp>
-        <p:nvSpPr>
-          <p:cNvPr id="3" name="Untertitel 2"/>
+            <a:endParaRPr lang="en-US" dirty="0"/>
+          </a:p>
+        </p:txBody>
+      </p:sp>
+      <p:sp>
+        <p:nvSpPr>
+          <p:cNvPr id="3" name="Subtitle 2"/>
           <p:cNvSpPr>
             <a:spLocks noGrp="1"/>
           </p:cNvSpPr>
@@ -172,48 +267,55 @@
         </p:nvSpPr>
         <p:spPr>
           <a:xfrm>
-            <a:off x="1524000" y="3602038"/>
-            <a:ext cx="9144000" cy="1655762"/>
-          </a:xfrm>
-        </p:spPr>
-        <p:txBody>
-          <a:bodyPr/>
+            <a:off x="1100051" y="4455621"/>
+            <a:ext cx="10058400" cy="1143000"/>
+          </a:xfrm>
+        </p:spPr>
+        <p:txBody>
+          <a:bodyPr lIns="91440" rIns="91440">
+            <a:normAutofit/>
+          </a:bodyPr>
           <a:lstStyle>
-            <a:lvl1pPr marL="0" indent="0" algn="ctr">
-              <a:buNone/>
-              <a:defRPr sz="2400"/>
+            <a:lvl1pPr marL="0" indent="0" algn="l">
+              <a:buNone/>
+              <a:defRPr sz="2400" cap="all" spc="200" baseline="0">
+                <a:solidFill>
+                  <a:schemeClr val="tx2"/>
+                </a:solidFill>
+                <a:latin typeface="+mj-lt"/>
+              </a:defRPr>
             </a:lvl1pPr>
             <a:lvl2pPr marL="457200" indent="0" algn="ctr">
               <a:buNone/>
-              <a:defRPr sz="2000"/>
+              <a:defRPr sz="2400"/>
             </a:lvl2pPr>
             <a:lvl3pPr marL="914400" indent="0" algn="ctr">
               <a:buNone/>
-              <a:defRPr sz="1800"/>
+              <a:defRPr sz="2400"/>
             </a:lvl3pPr>
             <a:lvl4pPr marL="1371600" indent="0" algn="ctr">
               <a:buNone/>
-              <a:defRPr sz="1600"/>
+              <a:defRPr sz="2000"/>
             </a:lvl4pPr>
             <a:lvl5pPr marL="1828800" indent="0" algn="ctr">
               <a:buNone/>
-              <a:defRPr sz="1600"/>
+              <a:defRPr sz="2000"/>
             </a:lvl5pPr>
             <a:lvl6pPr marL="2286000" indent="0" algn="ctr">
               <a:buNone/>
-              <a:defRPr sz="1600"/>
+              <a:defRPr sz="2000"/>
             </a:lvl6pPr>
             <a:lvl7pPr marL="2743200" indent="0" algn="ctr">
               <a:buNone/>
-              <a:defRPr sz="1600"/>
+              <a:defRPr sz="2000"/>
             </a:lvl7pPr>
             <a:lvl8pPr marL="3200400" indent="0" algn="ctr">
               <a:buNone/>
-              <a:defRPr sz="1600"/>
+              <a:defRPr sz="2000"/>
             </a:lvl8pPr>
             <a:lvl9pPr marL="3657600" indent="0" algn="ctr">
               <a:buNone/>
-              <a:defRPr sz="1600"/>
+              <a:defRPr sz="2000"/>
             </a:lvl9pPr>
           </a:lstStyle>
           <a:p>
@@ -221,13 +323,13 @@
               <a:rPr lang="de-DE" smtClean="0"/>
               <a:t>Formatvorlage des Untertitelmasters durch Klicken bearbeiten</a:t>
             </a:r>
-            <a:endParaRPr lang="de-DE"/>
-          </a:p>
-        </p:txBody>
-      </p:sp>
-      <p:sp>
-        <p:nvSpPr>
-          <p:cNvPr id="4" name="Datumsplatzhalter 3"/>
+            <a:endParaRPr lang="en-US" dirty="0"/>
+          </a:p>
+        </p:txBody>
+      </p:sp>
+      <p:sp>
+        <p:nvSpPr>
+          <p:cNvPr id="4" name="Date Placeholder 3"/>
           <p:cNvSpPr>
             <a:spLocks noGrp="1"/>
           </p:cNvSpPr>
@@ -250,7 +352,7 @@
       </p:sp>
       <p:sp>
         <p:nvSpPr>
-          <p:cNvPr id="5" name="Fußzeilenplatzhalter 4"/>
+          <p:cNvPr id="5" name="Footer Placeholder 4"/>
           <p:cNvSpPr>
             <a:spLocks noGrp="1"/>
           </p:cNvSpPr>
@@ -269,7 +371,7 @@
       </p:sp>
       <p:sp>
         <p:nvSpPr>
-          <p:cNvPr id="6" name="Foliennummernplatzhalter 5"/>
+          <p:cNvPr id="6" name="Slide Number Placeholder 5"/>
           <p:cNvSpPr>
             <a:spLocks noGrp="1"/>
           </p:cNvSpPr>
@@ -290,10 +392,48 @@
           </a:p>
         </p:txBody>
       </p:sp>
+      <p:cxnSp>
+        <p:nvCxnSpPr>
+          <p:cNvPr id="9" name="Straight Connector 8"/>
+          <p:cNvCxnSpPr/>
+          <p:nvPr/>
+        </p:nvCxnSpPr>
+        <p:spPr>
+          <a:xfrm>
+            <a:off x="1207658" y="4343400"/>
+            <a:ext cx="9875520" cy="0"/>
+          </a:xfrm>
+          <a:prstGeom prst="line">
+            <a:avLst/>
+          </a:prstGeom>
+          <a:ln w="6350">
+            <a:solidFill>
+              <a:schemeClr val="tx1">
+                <a:lumMod val="50000"/>
+                <a:lumOff val="50000"/>
+              </a:schemeClr>
+            </a:solidFill>
+          </a:ln>
+        </p:spPr>
+        <p:style>
+          <a:lnRef idx="1">
+            <a:schemeClr val="accent1"/>
+          </a:lnRef>
+          <a:fillRef idx="0">
+            <a:schemeClr val="accent1"/>
+          </a:fillRef>
+          <a:effectRef idx="0">
+            <a:schemeClr val="accent1"/>
+          </a:effectRef>
+          <a:fontRef idx="minor">
+            <a:schemeClr val="tx1"/>
+          </a:fontRef>
+        </p:style>
+      </p:cxnSp>
     </p:spTree>
     <p:extLst>
       <p:ext uri="{BB962C8B-B14F-4D97-AF65-F5344CB8AC3E}">
-        <p14:creationId xmlns:p14="http://schemas.microsoft.com/office/powerpoint/2010/main" val="2523018291"/>
+        <p14:creationId xmlns:p14="http://schemas.microsoft.com/office/powerpoint/2010/main" val="4059063714"/>
       </p:ext>
     </p:extLst>
   </p:cSld>
@@ -322,7 +462,7 @@
       </p:grpSpPr>
       <p:sp>
         <p:nvSpPr>
-          <p:cNvPr id="2" name="Titel 1"/>
+          <p:cNvPr id="2" name="Title 1"/>
           <p:cNvSpPr>
             <a:spLocks noGrp="1"/>
           </p:cNvSpPr>
@@ -339,13 +479,13 @@
               <a:rPr lang="de-DE" smtClean="0"/>
               <a:t>Titelmasterformat durch Klicken bearbeiten</a:t>
             </a:r>
-            <a:endParaRPr lang="de-DE"/>
-          </a:p>
-        </p:txBody>
-      </p:sp>
-      <p:sp>
-        <p:nvSpPr>
-          <p:cNvPr id="3" name="Vertikaler Textplatzhalter 2"/>
+            <a:endParaRPr lang="en-US" dirty="0"/>
+          </a:p>
+        </p:txBody>
+      </p:sp>
+      <p:sp>
+        <p:nvSpPr>
+          <p:cNvPr id="3" name="Vertical Text Placeholder 2"/>
           <p:cNvSpPr>
             <a:spLocks noGrp="1"/>
           </p:cNvSpPr>
@@ -355,7 +495,7 @@
         </p:nvSpPr>
         <p:spPr/>
         <p:txBody>
-          <a:bodyPr vert="eaVert"/>
+          <a:bodyPr vert="eaVert" lIns="45720" tIns="0" rIns="45720" bIns="0"/>
           <a:lstStyle/>
           <a:p>
             <a:pPr lvl="0"/>
@@ -391,13 +531,13 @@
               <a:rPr lang="de-DE" smtClean="0"/>
               <a:t>Fünfte Ebene</a:t>
             </a:r>
-            <a:endParaRPr lang="de-DE"/>
-          </a:p>
-        </p:txBody>
-      </p:sp>
-      <p:sp>
-        <p:nvSpPr>
-          <p:cNvPr id="4" name="Datumsplatzhalter 3"/>
+            <a:endParaRPr lang="en-US" dirty="0"/>
+          </a:p>
+        </p:txBody>
+      </p:sp>
+      <p:sp>
+        <p:nvSpPr>
+          <p:cNvPr id="4" name="Date Placeholder 3"/>
           <p:cNvSpPr>
             <a:spLocks noGrp="1"/>
           </p:cNvSpPr>
@@ -420,7 +560,7 @@
       </p:sp>
       <p:sp>
         <p:nvSpPr>
-          <p:cNvPr id="5" name="Fußzeilenplatzhalter 4"/>
+          <p:cNvPr id="5" name="Footer Placeholder 4"/>
           <p:cNvSpPr>
             <a:spLocks noGrp="1"/>
           </p:cNvSpPr>
@@ -439,7 +579,7 @@
       </p:sp>
       <p:sp>
         <p:nvSpPr>
-          <p:cNvPr id="6" name="Foliennummernplatzhalter 5"/>
+          <p:cNvPr id="6" name="Slide Number Placeholder 5"/>
           <p:cNvSpPr>
             <a:spLocks noGrp="1"/>
           </p:cNvSpPr>
@@ -463,7 +603,7 @@
     </p:spTree>
     <p:extLst>
       <p:ext uri="{BB962C8B-B14F-4D97-AF65-F5344CB8AC3E}">
-        <p14:creationId xmlns:p14="http://schemas.microsoft.com/office/powerpoint/2010/main" val="3753892225"/>
+        <p14:creationId xmlns:p14="http://schemas.microsoft.com/office/powerpoint/2010/main" val="2962419038"/>
       </p:ext>
     </p:extLst>
   </p:cSld>
@@ -474,7 +614,7 @@
 </file>
 
 <file path=ppt/slideLayouts/slideLayout11.xml><?xml version="1.0" encoding="utf-8"?>
-<p:sldLayout xmlns:a="http://schemas.openxmlformats.org/drawingml/2006/main" xmlns:r="http://schemas.openxmlformats.org/officeDocument/2006/relationships" xmlns:p="http://schemas.openxmlformats.org/presentationml/2006/main" type="vertTitleAndTx" preserve="1">
+<p:sldLayout xmlns:a="http://schemas.openxmlformats.org/drawingml/2006/main" xmlns:r="http://schemas.openxmlformats.org/officeDocument/2006/relationships" xmlns:p="http://schemas.openxmlformats.org/presentationml/2006/main" showMasterSp="0" type="vertTitleAndTx" preserve="1">
   <p:cSld name="Vertikaler Titel und Text">
     <p:spTree>
       <p:nvGrpSpPr>
@@ -492,7 +632,85 @@
       </p:grpSpPr>
       <p:sp>
         <p:nvSpPr>
-          <p:cNvPr id="2" name="Vertikaler Titel 1"/>
+          <p:cNvPr id="7" name="Rectangle 6"/>
+          <p:cNvSpPr/>
+          <p:nvPr/>
+        </p:nvSpPr>
+        <p:spPr>
+          <a:xfrm>
+            <a:off x="3175" y="6400800"/>
+            <a:ext cx="12188825" cy="457200"/>
+          </a:xfrm>
+          <a:prstGeom prst="rect">
+            <a:avLst/>
+          </a:prstGeom>
+          <a:solidFill>
+            <a:schemeClr val="accent4">
+              <a:lumMod val="75000"/>
+            </a:schemeClr>
+          </a:solidFill>
+          <a:ln>
+            <a:noFill/>
+          </a:ln>
+        </p:spPr>
+        <p:style>
+          <a:lnRef idx="2">
+            <a:schemeClr val="accent1">
+              <a:shade val="50000"/>
+            </a:schemeClr>
+          </a:lnRef>
+          <a:fillRef idx="1">
+            <a:schemeClr val="accent1"/>
+          </a:fillRef>
+          <a:effectRef idx="0">
+            <a:schemeClr val="accent1"/>
+          </a:effectRef>
+          <a:fontRef idx="minor">
+            <a:schemeClr val="lt1"/>
+          </a:fontRef>
+        </p:style>
+      </p:sp>
+      <p:sp>
+        <p:nvSpPr>
+          <p:cNvPr id="8" name="Rectangle 7"/>
+          <p:cNvSpPr/>
+          <p:nvPr/>
+        </p:nvSpPr>
+        <p:spPr>
+          <a:xfrm>
+            <a:off x="15" y="6334316"/>
+            <a:ext cx="12188825" cy="64008"/>
+          </a:xfrm>
+          <a:prstGeom prst="rect">
+            <a:avLst/>
+          </a:prstGeom>
+          <a:solidFill>
+            <a:schemeClr val="accent4"/>
+          </a:solidFill>
+          <a:ln>
+            <a:noFill/>
+          </a:ln>
+        </p:spPr>
+        <p:style>
+          <a:lnRef idx="2">
+            <a:schemeClr val="accent1">
+              <a:shade val="50000"/>
+            </a:schemeClr>
+          </a:lnRef>
+          <a:fillRef idx="1">
+            <a:schemeClr val="accent1"/>
+          </a:fillRef>
+          <a:effectRef idx="0">
+            <a:schemeClr val="accent1"/>
+          </a:effectRef>
+          <a:fontRef idx="minor">
+            <a:schemeClr val="lt1"/>
+          </a:fontRef>
+        </p:style>
+      </p:sp>
+      <p:sp>
+        <p:nvSpPr>
+          <p:cNvPr id="2" name="Vertical Title 1"/>
           <p:cNvSpPr>
             <a:spLocks noGrp="1"/>
           </p:cNvSpPr>
@@ -502,8 +720,8 @@
         </p:nvSpPr>
         <p:spPr>
           <a:xfrm>
-            <a:off x="8724900" y="365125"/>
-            <a:ext cx="2628900" cy="5811838"/>
+            <a:off x="8724900" y="412302"/>
+            <a:ext cx="2628900" cy="5759898"/>
           </a:xfrm>
         </p:spPr>
         <p:txBody>
@@ -514,13 +732,13 @@
               <a:rPr lang="de-DE" smtClean="0"/>
               <a:t>Titelmasterformat durch Klicken bearbeiten</a:t>
             </a:r>
-            <a:endParaRPr lang="de-DE"/>
-          </a:p>
-        </p:txBody>
-      </p:sp>
-      <p:sp>
-        <p:nvSpPr>
-          <p:cNvPr id="3" name="Vertikaler Textplatzhalter 2"/>
+            <a:endParaRPr lang="en-US" dirty="0"/>
+          </a:p>
+        </p:txBody>
+      </p:sp>
+      <p:sp>
+        <p:nvSpPr>
+          <p:cNvPr id="3" name="Vertical Text Placeholder 2"/>
           <p:cNvSpPr>
             <a:spLocks noGrp="1"/>
           </p:cNvSpPr>
@@ -530,12 +748,12 @@
         </p:nvSpPr>
         <p:spPr>
           <a:xfrm>
-            <a:off x="838200" y="365125"/>
-            <a:ext cx="7734300" cy="5811838"/>
-          </a:xfrm>
-        </p:spPr>
-        <p:txBody>
-          <a:bodyPr vert="eaVert"/>
+            <a:off x="838200" y="412302"/>
+            <a:ext cx="7734300" cy="5759898"/>
+          </a:xfrm>
+        </p:spPr>
+        <p:txBody>
+          <a:bodyPr vert="eaVert" lIns="45720" tIns="0" rIns="45720" bIns="0"/>
           <a:lstStyle/>
           <a:p>
             <a:pPr lvl="0"/>
@@ -571,13 +789,13 @@
               <a:rPr lang="de-DE" smtClean="0"/>
               <a:t>Fünfte Ebene</a:t>
             </a:r>
-            <a:endParaRPr lang="de-DE"/>
-          </a:p>
-        </p:txBody>
-      </p:sp>
-      <p:sp>
-        <p:nvSpPr>
-          <p:cNvPr id="4" name="Datumsplatzhalter 3"/>
+            <a:endParaRPr lang="en-US" dirty="0"/>
+          </a:p>
+        </p:txBody>
+      </p:sp>
+      <p:sp>
+        <p:nvSpPr>
+          <p:cNvPr id="4" name="Date Placeholder 3"/>
           <p:cNvSpPr>
             <a:spLocks noGrp="1"/>
           </p:cNvSpPr>
@@ -600,7 +818,7 @@
       </p:sp>
       <p:sp>
         <p:nvSpPr>
-          <p:cNvPr id="5" name="Fußzeilenplatzhalter 4"/>
+          <p:cNvPr id="5" name="Footer Placeholder 4"/>
           <p:cNvSpPr>
             <a:spLocks noGrp="1"/>
           </p:cNvSpPr>
@@ -619,7 +837,7 @@
       </p:sp>
       <p:sp>
         <p:nvSpPr>
-          <p:cNvPr id="6" name="Foliennummernplatzhalter 5"/>
+          <p:cNvPr id="6" name="Slide Number Placeholder 5"/>
           <p:cNvSpPr>
             <a:spLocks noGrp="1"/>
           </p:cNvSpPr>
@@ -643,7 +861,7 @@
     </p:spTree>
     <p:extLst>
       <p:ext uri="{BB962C8B-B14F-4D97-AF65-F5344CB8AC3E}">
-        <p14:creationId xmlns:p14="http://schemas.microsoft.com/office/powerpoint/2010/main" val="2133157019"/>
+        <p14:creationId xmlns:p14="http://schemas.microsoft.com/office/powerpoint/2010/main" val="4106200813"/>
       </p:ext>
     </p:extLst>
   </p:cSld>
@@ -672,7 +890,7 @@
       </p:grpSpPr>
       <p:sp>
         <p:nvSpPr>
-          <p:cNvPr id="2" name="Titel 1"/>
+          <p:cNvPr id="2" name="Title 1"/>
           <p:cNvSpPr>
             <a:spLocks noGrp="1"/>
           </p:cNvSpPr>
@@ -689,13 +907,13 @@
               <a:rPr lang="de-DE" smtClean="0"/>
               <a:t>Titelmasterformat durch Klicken bearbeiten</a:t>
             </a:r>
-            <a:endParaRPr lang="de-DE"/>
-          </a:p>
-        </p:txBody>
-      </p:sp>
-      <p:sp>
-        <p:nvSpPr>
-          <p:cNvPr id="3" name="Inhaltsplatzhalter 2"/>
+            <a:endParaRPr lang="en-US" dirty="0"/>
+          </a:p>
+        </p:txBody>
+      </p:sp>
+      <p:sp>
+        <p:nvSpPr>
+          <p:cNvPr id="3" name="Content Placeholder 2"/>
           <p:cNvSpPr>
             <a:spLocks noGrp="1"/>
           </p:cNvSpPr>
@@ -741,13 +959,13 @@
               <a:rPr lang="de-DE" smtClean="0"/>
               <a:t>Fünfte Ebene</a:t>
             </a:r>
-            <a:endParaRPr lang="de-DE"/>
-          </a:p>
-        </p:txBody>
-      </p:sp>
-      <p:sp>
-        <p:nvSpPr>
-          <p:cNvPr id="4" name="Datumsplatzhalter 3"/>
+            <a:endParaRPr lang="en-US" dirty="0"/>
+          </a:p>
+        </p:txBody>
+      </p:sp>
+      <p:sp>
+        <p:nvSpPr>
+          <p:cNvPr id="4" name="Date Placeholder 3"/>
           <p:cNvSpPr>
             <a:spLocks noGrp="1"/>
           </p:cNvSpPr>
@@ -770,7 +988,7 @@
       </p:sp>
       <p:sp>
         <p:nvSpPr>
-          <p:cNvPr id="5" name="Fußzeilenplatzhalter 4"/>
+          <p:cNvPr id="5" name="Footer Placeholder 4"/>
           <p:cNvSpPr>
             <a:spLocks noGrp="1"/>
           </p:cNvSpPr>
@@ -789,7 +1007,7 @@
       </p:sp>
       <p:sp>
         <p:nvSpPr>
-          <p:cNvPr id="6" name="Foliennummernplatzhalter 5"/>
+          <p:cNvPr id="6" name="Slide Number Placeholder 5"/>
           <p:cNvSpPr>
             <a:spLocks noGrp="1"/>
           </p:cNvSpPr>
@@ -813,7 +1031,7 @@
     </p:spTree>
     <p:extLst>
       <p:ext uri="{BB962C8B-B14F-4D97-AF65-F5344CB8AC3E}">
-        <p14:creationId xmlns:p14="http://schemas.microsoft.com/office/powerpoint/2010/main" val="3995135922"/>
+        <p14:creationId xmlns:p14="http://schemas.microsoft.com/office/powerpoint/2010/main" val="648230652"/>
       </p:ext>
     </p:extLst>
   </p:cSld>
@@ -824,7 +1042,7 @@
 </file>
 
 <file path=ppt/slideLayouts/slideLayout3.xml><?xml version="1.0" encoding="utf-8"?>
-<p:sldLayout xmlns:a="http://schemas.openxmlformats.org/drawingml/2006/main" xmlns:r="http://schemas.openxmlformats.org/officeDocument/2006/relationships" xmlns:p="http://schemas.openxmlformats.org/presentationml/2006/main" type="secHead" preserve="1">
+<p:sldLayout xmlns:a="http://schemas.openxmlformats.org/drawingml/2006/main" xmlns:r="http://schemas.openxmlformats.org/officeDocument/2006/relationships" xmlns:p="http://schemas.openxmlformats.org/presentationml/2006/main" showMasterSp="0" type="secHead" preserve="1">
   <p:cSld name="Abschnitts-&#10;überschrift">
     <p:spTree>
       <p:nvGrpSpPr>
@@ -842,7 +1060,85 @@
       </p:grpSpPr>
       <p:sp>
         <p:nvSpPr>
-          <p:cNvPr id="2" name="Titel 1"/>
+          <p:cNvPr id="7" name="Rectangle 6"/>
+          <p:cNvSpPr/>
+          <p:nvPr/>
+        </p:nvSpPr>
+        <p:spPr>
+          <a:xfrm>
+            <a:off x="3175" y="6400800"/>
+            <a:ext cx="12188825" cy="457200"/>
+          </a:xfrm>
+          <a:prstGeom prst="rect">
+            <a:avLst/>
+          </a:prstGeom>
+          <a:solidFill>
+            <a:schemeClr val="accent4">
+              <a:lumMod val="75000"/>
+            </a:schemeClr>
+          </a:solidFill>
+          <a:ln>
+            <a:noFill/>
+          </a:ln>
+        </p:spPr>
+        <p:style>
+          <a:lnRef idx="2">
+            <a:schemeClr val="accent1">
+              <a:shade val="50000"/>
+            </a:schemeClr>
+          </a:lnRef>
+          <a:fillRef idx="1">
+            <a:schemeClr val="accent1"/>
+          </a:fillRef>
+          <a:effectRef idx="0">
+            <a:schemeClr val="accent1"/>
+          </a:effectRef>
+          <a:fontRef idx="minor">
+            <a:schemeClr val="lt1"/>
+          </a:fontRef>
+        </p:style>
+      </p:sp>
+      <p:sp>
+        <p:nvSpPr>
+          <p:cNvPr id="8" name="Rectangle 7"/>
+          <p:cNvSpPr/>
+          <p:nvPr/>
+        </p:nvSpPr>
+        <p:spPr>
+          <a:xfrm>
+            <a:off x="15" y="6334316"/>
+            <a:ext cx="12188825" cy="64008"/>
+          </a:xfrm>
+          <a:prstGeom prst="rect">
+            <a:avLst/>
+          </a:prstGeom>
+          <a:solidFill>
+            <a:schemeClr val="accent4"/>
+          </a:solidFill>
+          <a:ln>
+            <a:noFill/>
+          </a:ln>
+        </p:spPr>
+        <p:style>
+          <a:lnRef idx="2">
+            <a:schemeClr val="accent1">
+              <a:shade val="50000"/>
+            </a:schemeClr>
+          </a:lnRef>
+          <a:fillRef idx="1">
+            <a:schemeClr val="accent1"/>
+          </a:fillRef>
+          <a:effectRef idx="0">
+            <a:schemeClr val="accent1"/>
+          </a:effectRef>
+          <a:fontRef idx="minor">
+            <a:schemeClr val="lt1"/>
+          </a:fontRef>
+        </p:style>
+      </p:sp>
+      <p:sp>
+        <p:nvSpPr>
+          <p:cNvPr id="2" name="Title 1"/>
           <p:cNvSpPr>
             <a:spLocks noGrp="1"/>
           </p:cNvSpPr>
@@ -852,58 +1148,71 @@
         </p:nvSpPr>
         <p:spPr>
           <a:xfrm>
-            <a:off x="831850" y="1709738"/>
-            <a:ext cx="10515600" cy="2852737"/>
-          </a:xfrm>
-        </p:spPr>
-        <p:txBody>
-          <a:bodyPr anchor="b"/>
+            <a:off x="1097280" y="758952"/>
+            <a:ext cx="10058400" cy="3566160"/>
+          </a:xfrm>
+        </p:spPr>
+        <p:txBody>
+          <a:bodyPr anchor="b" anchorCtr="0">
+            <a:normAutofit/>
+          </a:bodyPr>
           <a:lstStyle>
             <a:lvl1pPr>
-              <a:defRPr sz="6000"/>
-            </a:lvl1pPr>
-          </a:lstStyle>
-          <a:p>
-            <a:r>
-              <a:rPr lang="de-DE" smtClean="0"/>
-              <a:t>Titelmasterformat durch Klicken bearbeiten</a:t>
-            </a:r>
-            <a:endParaRPr lang="de-DE"/>
-          </a:p>
-        </p:txBody>
-      </p:sp>
-      <p:sp>
-        <p:nvSpPr>
-          <p:cNvPr id="3" name="Textplatzhalter 2"/>
-          <p:cNvSpPr>
-            <a:spLocks noGrp="1"/>
-          </p:cNvSpPr>
-          <p:nvPr>
-            <p:ph type="body" idx="1"/>
-          </p:nvPr>
-        </p:nvSpPr>
-        <p:spPr>
-          <a:xfrm>
-            <a:off x="831850" y="4589463"/>
-            <a:ext cx="10515600" cy="1500187"/>
-          </a:xfrm>
-        </p:spPr>
-        <p:txBody>
-          <a:bodyPr/>
-          <a:lstStyle>
-            <a:lvl1pPr marL="0" indent="0">
-              <a:buNone/>
-              <a:defRPr sz="2400">
+              <a:lnSpc>
+                <a:spcPct val="85000"/>
+              </a:lnSpc>
+              <a:defRPr sz="8000" b="0">
                 <a:solidFill>
                   <a:schemeClr val="tx1">
-                    <a:tint val="75000"/>
+                    <a:lumMod val="85000"/>
+                    <a:lumOff val="15000"/>
                   </a:schemeClr>
                 </a:solidFill>
               </a:defRPr>
             </a:lvl1pPr>
+          </a:lstStyle>
+          <a:p>
+            <a:r>
+              <a:rPr lang="de-DE" smtClean="0"/>
+              <a:t>Titelmasterformat durch Klicken bearbeiten</a:t>
+            </a:r>
+            <a:endParaRPr lang="en-US" dirty="0"/>
+          </a:p>
+        </p:txBody>
+      </p:sp>
+      <p:sp>
+        <p:nvSpPr>
+          <p:cNvPr id="3" name="Text Placeholder 2"/>
+          <p:cNvSpPr>
+            <a:spLocks noGrp="1"/>
+          </p:cNvSpPr>
+          <p:nvPr>
+            <p:ph type="body" idx="1"/>
+          </p:nvPr>
+        </p:nvSpPr>
+        <p:spPr>
+          <a:xfrm>
+            <a:off x="1097280" y="4453128"/>
+            <a:ext cx="10058400" cy="1143000"/>
+          </a:xfrm>
+        </p:spPr>
+        <p:txBody>
+          <a:bodyPr lIns="91440" rIns="91440" anchor="t" anchorCtr="0">
+            <a:normAutofit/>
+          </a:bodyPr>
+          <a:lstStyle>
+            <a:lvl1pPr marL="0" indent="0">
+              <a:buNone/>
+              <a:defRPr sz="2400" cap="all" spc="200" baseline="0">
+                <a:solidFill>
+                  <a:schemeClr val="tx2"/>
+                </a:solidFill>
+                <a:latin typeface="+mj-lt"/>
+              </a:defRPr>
+            </a:lvl1pPr>
             <a:lvl2pPr marL="457200" indent="0">
               <a:buNone/>
-              <a:defRPr sz="2000">
+              <a:defRPr sz="1800">
                 <a:solidFill>
                   <a:schemeClr val="tx1">
                     <a:tint val="75000"/>
@@ -913,7 +1222,7 @@
             </a:lvl2pPr>
             <a:lvl3pPr marL="914400" indent="0">
               <a:buNone/>
-              <a:defRPr sz="1800">
+              <a:defRPr sz="1600">
                 <a:solidFill>
                   <a:schemeClr val="tx1">
                     <a:tint val="75000"/>
@@ -923,7 +1232,7 @@
             </a:lvl3pPr>
             <a:lvl4pPr marL="1371600" indent="0">
               <a:buNone/>
-              <a:defRPr sz="1600">
+              <a:defRPr sz="1400">
                 <a:solidFill>
                   <a:schemeClr val="tx1">
                     <a:tint val="75000"/>
@@ -933,7 +1242,7 @@
             </a:lvl4pPr>
             <a:lvl5pPr marL="1828800" indent="0">
               <a:buNone/>
-              <a:defRPr sz="1600">
+              <a:defRPr sz="1400">
                 <a:solidFill>
                   <a:schemeClr val="tx1">
                     <a:tint val="75000"/>
@@ -943,7 +1252,7 @@
             </a:lvl5pPr>
             <a:lvl6pPr marL="2286000" indent="0">
               <a:buNone/>
-              <a:defRPr sz="1600">
+              <a:defRPr sz="1400">
                 <a:solidFill>
                   <a:schemeClr val="tx1">
                     <a:tint val="75000"/>
@@ -953,7 +1262,7 @@
             </a:lvl6pPr>
             <a:lvl7pPr marL="2743200" indent="0">
               <a:buNone/>
-              <a:defRPr sz="1600">
+              <a:defRPr sz="1400">
                 <a:solidFill>
                   <a:schemeClr val="tx1">
                     <a:tint val="75000"/>
@@ -963,7 +1272,7 @@
             </a:lvl7pPr>
             <a:lvl8pPr marL="3200400" indent="0">
               <a:buNone/>
-              <a:defRPr sz="1600">
+              <a:defRPr sz="1400">
                 <a:solidFill>
                   <a:schemeClr val="tx1">
                     <a:tint val="75000"/>
@@ -973,7 +1282,7 @@
             </a:lvl8pPr>
             <a:lvl9pPr marL="3657600" indent="0">
               <a:buNone/>
-              <a:defRPr sz="1600">
+              <a:defRPr sz="1400">
                 <a:solidFill>
                   <a:schemeClr val="tx1">
                     <a:tint val="75000"/>
@@ -993,7 +1302,7 @@
       </p:sp>
       <p:sp>
         <p:nvSpPr>
-          <p:cNvPr id="4" name="Datumsplatzhalter 3"/>
+          <p:cNvPr id="4" name="Date Placeholder 3"/>
           <p:cNvSpPr>
             <a:spLocks noGrp="1"/>
           </p:cNvSpPr>
@@ -1016,7 +1325,7 @@
       </p:sp>
       <p:sp>
         <p:nvSpPr>
-          <p:cNvPr id="5" name="Fußzeilenplatzhalter 4"/>
+          <p:cNvPr id="5" name="Footer Placeholder 4"/>
           <p:cNvSpPr>
             <a:spLocks noGrp="1"/>
           </p:cNvSpPr>
@@ -1035,7 +1344,7 @@
       </p:sp>
       <p:sp>
         <p:nvSpPr>
-          <p:cNvPr id="6" name="Foliennummernplatzhalter 5"/>
+          <p:cNvPr id="6" name="Slide Number Placeholder 5"/>
           <p:cNvSpPr>
             <a:spLocks noGrp="1"/>
           </p:cNvSpPr>
@@ -1056,10 +1365,48 @@
           </a:p>
         </p:txBody>
       </p:sp>
+      <p:cxnSp>
+        <p:nvCxnSpPr>
+          <p:cNvPr id="9" name="Straight Connector 8"/>
+          <p:cNvCxnSpPr/>
+          <p:nvPr/>
+        </p:nvCxnSpPr>
+        <p:spPr>
+          <a:xfrm>
+            <a:off x="1207658" y="4343400"/>
+            <a:ext cx="9875520" cy="0"/>
+          </a:xfrm>
+          <a:prstGeom prst="line">
+            <a:avLst/>
+          </a:prstGeom>
+          <a:ln w="6350">
+            <a:solidFill>
+              <a:schemeClr val="tx1">
+                <a:lumMod val="50000"/>
+                <a:lumOff val="50000"/>
+              </a:schemeClr>
+            </a:solidFill>
+          </a:ln>
+        </p:spPr>
+        <p:style>
+          <a:lnRef idx="1">
+            <a:schemeClr val="accent1"/>
+          </a:lnRef>
+          <a:fillRef idx="0">
+            <a:schemeClr val="accent1"/>
+          </a:fillRef>
+          <a:effectRef idx="0">
+            <a:schemeClr val="accent1"/>
+          </a:effectRef>
+          <a:fontRef idx="minor">
+            <a:schemeClr val="tx1"/>
+          </a:fontRef>
+        </p:style>
+      </p:cxnSp>
     </p:spTree>
     <p:extLst>
       <p:ext uri="{BB962C8B-B14F-4D97-AF65-F5344CB8AC3E}">
-        <p14:creationId xmlns:p14="http://schemas.microsoft.com/office/powerpoint/2010/main" val="1133606512"/>
+        <p14:creationId xmlns:p14="http://schemas.microsoft.com/office/powerpoint/2010/main" val="3450524796"/>
       </p:ext>
     </p:extLst>
   </p:cSld>
@@ -1088,7 +1435,7 @@
       </p:grpSpPr>
       <p:sp>
         <p:nvSpPr>
-          <p:cNvPr id="2" name="Titel 1"/>
+          <p:cNvPr id="8" name="Title 7"/>
           <p:cNvSpPr>
             <a:spLocks noGrp="1"/>
           </p:cNvSpPr>
@@ -1096,7 +1443,12 @@
             <p:ph type="title"/>
           </p:nvPr>
         </p:nvSpPr>
-        <p:spPr/>
+        <p:spPr>
+          <a:xfrm>
+            <a:off x="1097280" y="286603"/>
+            <a:ext cx="10058400" cy="1450757"/>
+          </a:xfrm>
+        </p:spPr>
         <p:txBody>
           <a:bodyPr/>
           <a:lstStyle/>
@@ -1105,13 +1457,13 @@
               <a:rPr lang="de-DE" smtClean="0"/>
               <a:t>Titelmasterformat durch Klicken bearbeiten</a:t>
             </a:r>
-            <a:endParaRPr lang="de-DE"/>
-          </a:p>
-        </p:txBody>
-      </p:sp>
-      <p:sp>
-        <p:nvSpPr>
-          <p:cNvPr id="3" name="Inhaltsplatzhalter 2"/>
+            <a:endParaRPr lang="en-US" dirty="0"/>
+          </a:p>
+        </p:txBody>
+      </p:sp>
+      <p:sp>
+        <p:nvSpPr>
+          <p:cNvPr id="3" name="Content Placeholder 2"/>
           <p:cNvSpPr>
             <a:spLocks noGrp="1"/>
           </p:cNvSpPr>
@@ -1121,8 +1473,8 @@
         </p:nvSpPr>
         <p:spPr>
           <a:xfrm>
-            <a:off x="838200" y="1825625"/>
-            <a:ext cx="5181600" cy="4351338"/>
+            <a:off x="1097278" y="1845734"/>
+            <a:ext cx="4937760" cy="4023360"/>
           </a:xfrm>
         </p:spPr>
         <p:txBody>
@@ -1162,13 +1514,13 @@
               <a:rPr lang="de-DE" smtClean="0"/>
               <a:t>Fünfte Ebene</a:t>
             </a:r>
-            <a:endParaRPr lang="de-DE"/>
-          </a:p>
-        </p:txBody>
-      </p:sp>
-      <p:sp>
-        <p:nvSpPr>
-          <p:cNvPr id="4" name="Inhaltsplatzhalter 3"/>
+            <a:endParaRPr lang="en-US" dirty="0"/>
+          </a:p>
+        </p:txBody>
+      </p:sp>
+      <p:sp>
+        <p:nvSpPr>
+          <p:cNvPr id="4" name="Content Placeholder 3"/>
           <p:cNvSpPr>
             <a:spLocks noGrp="1"/>
           </p:cNvSpPr>
@@ -1178,8 +1530,8 @@
         </p:nvSpPr>
         <p:spPr>
           <a:xfrm>
-            <a:off x="6172200" y="1825625"/>
-            <a:ext cx="5181600" cy="4351338"/>
+            <a:off x="6217920" y="1845735"/>
+            <a:ext cx="4937760" cy="4023360"/>
           </a:xfrm>
         </p:spPr>
         <p:txBody>
@@ -1219,13 +1571,13 @@
               <a:rPr lang="de-DE" smtClean="0"/>
               <a:t>Fünfte Ebene</a:t>
             </a:r>
-            <a:endParaRPr lang="de-DE"/>
-          </a:p>
-        </p:txBody>
-      </p:sp>
-      <p:sp>
-        <p:nvSpPr>
-          <p:cNvPr id="5" name="Datumsplatzhalter 4"/>
+            <a:endParaRPr lang="en-US" dirty="0"/>
+          </a:p>
+        </p:txBody>
+      </p:sp>
+      <p:sp>
+        <p:nvSpPr>
+          <p:cNvPr id="5" name="Date Placeholder 4"/>
           <p:cNvSpPr>
             <a:spLocks noGrp="1"/>
           </p:cNvSpPr>
@@ -1248,7 +1600,7 @@
       </p:sp>
       <p:sp>
         <p:nvSpPr>
-          <p:cNvPr id="6" name="Fußzeilenplatzhalter 5"/>
+          <p:cNvPr id="6" name="Footer Placeholder 5"/>
           <p:cNvSpPr>
             <a:spLocks noGrp="1"/>
           </p:cNvSpPr>
@@ -1267,7 +1619,7 @@
       </p:sp>
       <p:sp>
         <p:nvSpPr>
-          <p:cNvPr id="7" name="Foliennummernplatzhalter 6"/>
+          <p:cNvPr id="7" name="Slide Number Placeholder 6"/>
           <p:cNvSpPr>
             <a:spLocks noGrp="1"/>
           </p:cNvSpPr>
@@ -1291,7 +1643,7 @@
     </p:spTree>
     <p:extLst>
       <p:ext uri="{BB962C8B-B14F-4D97-AF65-F5344CB8AC3E}">
-        <p14:creationId xmlns:p14="http://schemas.microsoft.com/office/powerpoint/2010/main" val="356821226"/>
+        <p14:creationId xmlns:p14="http://schemas.microsoft.com/office/powerpoint/2010/main" val="1137156359"/>
       </p:ext>
     </p:extLst>
   </p:cSld>
@@ -1320,7 +1672,7 @@
       </p:grpSpPr>
       <p:sp>
         <p:nvSpPr>
-          <p:cNvPr id="2" name="Titel 1"/>
+          <p:cNvPr id="10" name="Title 9"/>
           <p:cNvSpPr>
             <a:spLocks noGrp="1"/>
           </p:cNvSpPr>
@@ -1330,8 +1682,8 @@
         </p:nvSpPr>
         <p:spPr>
           <a:xfrm>
-            <a:off x="839788" y="365125"/>
-            <a:ext cx="10515600" cy="1325563"/>
+            <a:off x="1097280" y="286603"/>
+            <a:ext cx="10058400" cy="1450757"/>
           </a:xfrm>
         </p:spPr>
         <p:txBody>
@@ -1342,13 +1694,13 @@
               <a:rPr lang="de-DE" smtClean="0"/>
               <a:t>Titelmasterformat durch Klicken bearbeiten</a:t>
             </a:r>
-            <a:endParaRPr lang="de-DE"/>
-          </a:p>
-        </p:txBody>
-      </p:sp>
-      <p:sp>
-        <p:nvSpPr>
-          <p:cNvPr id="3" name="Textplatzhalter 2"/>
+            <a:endParaRPr lang="en-US" dirty="0"/>
+          </a:p>
+        </p:txBody>
+      </p:sp>
+      <p:sp>
+        <p:nvSpPr>
+          <p:cNvPr id="3" name="Text Placeholder 2"/>
           <p:cNvSpPr>
             <a:spLocks noGrp="1"/>
           </p:cNvSpPr>
@@ -1358,16 +1710,22 @@
         </p:nvSpPr>
         <p:spPr>
           <a:xfrm>
-            <a:off x="839788" y="1681163"/>
-            <a:ext cx="5157787" cy="823912"/>
-          </a:xfrm>
-        </p:spPr>
-        <p:txBody>
-          <a:bodyPr anchor="b"/>
+            <a:off x="1097280" y="1846052"/>
+            <a:ext cx="4937760" cy="736282"/>
+          </a:xfrm>
+        </p:spPr>
+        <p:txBody>
+          <a:bodyPr lIns="91440" rIns="91440" anchor="ctr">
+            <a:normAutofit/>
+          </a:bodyPr>
           <a:lstStyle>
             <a:lvl1pPr marL="0" indent="0">
               <a:buNone/>
-              <a:defRPr sz="2400" b="1"/>
+              <a:defRPr sz="2000" b="0" cap="all" baseline="0">
+                <a:solidFill>
+                  <a:schemeClr val="tx2"/>
+                </a:solidFill>
+              </a:defRPr>
             </a:lvl1pPr>
             <a:lvl2pPr marL="457200" indent="0">
               <a:buNone/>
@@ -1413,7 +1771,7 @@
       </p:sp>
       <p:sp>
         <p:nvSpPr>
-          <p:cNvPr id="4" name="Inhaltsplatzhalter 3"/>
+          <p:cNvPr id="4" name="Content Placeholder 3"/>
           <p:cNvSpPr>
             <a:spLocks noGrp="1"/>
           </p:cNvSpPr>
@@ -1423,8 +1781,8 @@
         </p:nvSpPr>
         <p:spPr>
           <a:xfrm>
-            <a:off x="839788" y="2505075"/>
-            <a:ext cx="5157787" cy="3684588"/>
+            <a:off x="1097280" y="2582334"/>
+            <a:ext cx="4937760" cy="3378200"/>
           </a:xfrm>
         </p:spPr>
         <p:txBody>
@@ -1464,13 +1822,13 @@
               <a:rPr lang="de-DE" smtClean="0"/>
               <a:t>Fünfte Ebene</a:t>
             </a:r>
-            <a:endParaRPr lang="de-DE"/>
-          </a:p>
-        </p:txBody>
-      </p:sp>
-      <p:sp>
-        <p:nvSpPr>
-          <p:cNvPr id="5" name="Textplatzhalter 4"/>
+            <a:endParaRPr lang="en-US" dirty="0"/>
+          </a:p>
+        </p:txBody>
+      </p:sp>
+      <p:sp>
+        <p:nvSpPr>
+          <p:cNvPr id="5" name="Text Placeholder 4"/>
           <p:cNvSpPr>
             <a:spLocks noGrp="1"/>
           </p:cNvSpPr>
@@ -1480,16 +1838,22 @@
         </p:nvSpPr>
         <p:spPr>
           <a:xfrm>
-            <a:off x="6172200" y="1681163"/>
-            <a:ext cx="5183188" cy="823912"/>
-          </a:xfrm>
-        </p:spPr>
-        <p:txBody>
-          <a:bodyPr anchor="b"/>
+            <a:off x="6217920" y="1846052"/>
+            <a:ext cx="4937760" cy="736282"/>
+          </a:xfrm>
+        </p:spPr>
+        <p:txBody>
+          <a:bodyPr lIns="91440" rIns="91440" anchor="ctr">
+            <a:normAutofit/>
+          </a:bodyPr>
           <a:lstStyle>
             <a:lvl1pPr marL="0" indent="0">
               <a:buNone/>
-              <a:defRPr sz="2400" b="1"/>
+              <a:defRPr sz="2000" b="0" cap="all" baseline="0">
+                <a:solidFill>
+                  <a:schemeClr val="tx2"/>
+                </a:solidFill>
+              </a:defRPr>
             </a:lvl1pPr>
             <a:lvl2pPr marL="457200" indent="0">
               <a:buNone/>
@@ -1535,7 +1899,7 @@
       </p:sp>
       <p:sp>
         <p:nvSpPr>
-          <p:cNvPr id="6" name="Inhaltsplatzhalter 5"/>
+          <p:cNvPr id="6" name="Content Placeholder 5"/>
           <p:cNvSpPr>
             <a:spLocks noGrp="1"/>
           </p:cNvSpPr>
@@ -1545,8 +1909,8 @@
         </p:nvSpPr>
         <p:spPr>
           <a:xfrm>
-            <a:off x="6172200" y="2505075"/>
-            <a:ext cx="5183188" cy="3684588"/>
+            <a:off x="6217920" y="2582334"/>
+            <a:ext cx="4937760" cy="3378200"/>
           </a:xfrm>
         </p:spPr>
         <p:txBody>
@@ -1586,13 +1950,13 @@
               <a:rPr lang="de-DE" smtClean="0"/>
               <a:t>Fünfte Ebene</a:t>
             </a:r>
-            <a:endParaRPr lang="de-DE"/>
-          </a:p>
-        </p:txBody>
-      </p:sp>
-      <p:sp>
-        <p:nvSpPr>
-          <p:cNvPr id="7" name="Datumsplatzhalter 6"/>
+            <a:endParaRPr lang="en-US" dirty="0"/>
+          </a:p>
+        </p:txBody>
+      </p:sp>
+      <p:sp>
+        <p:nvSpPr>
+          <p:cNvPr id="7" name="Date Placeholder 6"/>
           <p:cNvSpPr>
             <a:spLocks noGrp="1"/>
           </p:cNvSpPr>
@@ -1615,7 +1979,7 @@
       </p:sp>
       <p:sp>
         <p:nvSpPr>
-          <p:cNvPr id="8" name="Fußzeilenplatzhalter 7"/>
+          <p:cNvPr id="8" name="Footer Placeholder 7"/>
           <p:cNvSpPr>
             <a:spLocks noGrp="1"/>
           </p:cNvSpPr>
@@ -1634,7 +1998,7 @@
       </p:sp>
       <p:sp>
         <p:nvSpPr>
-          <p:cNvPr id="9" name="Foliennummernplatzhalter 8"/>
+          <p:cNvPr id="9" name="Slide Number Placeholder 8"/>
           <p:cNvSpPr>
             <a:spLocks noGrp="1"/>
           </p:cNvSpPr>
@@ -1658,7 +2022,7 @@
     </p:spTree>
     <p:extLst>
       <p:ext uri="{BB962C8B-B14F-4D97-AF65-F5344CB8AC3E}">
-        <p14:creationId xmlns:p14="http://schemas.microsoft.com/office/powerpoint/2010/main" val="3696989934"/>
+        <p14:creationId xmlns:p14="http://schemas.microsoft.com/office/powerpoint/2010/main" val="462270360"/>
       </p:ext>
     </p:extLst>
   </p:cSld>
@@ -1687,7 +2051,7 @@
       </p:grpSpPr>
       <p:sp>
         <p:nvSpPr>
-          <p:cNvPr id="2" name="Titel 1"/>
+          <p:cNvPr id="2" name="Title 1"/>
           <p:cNvSpPr>
             <a:spLocks noGrp="1"/>
           </p:cNvSpPr>
@@ -1704,13 +2068,13 @@
               <a:rPr lang="de-DE" smtClean="0"/>
               <a:t>Titelmasterformat durch Klicken bearbeiten</a:t>
             </a:r>
-            <a:endParaRPr lang="de-DE"/>
-          </a:p>
-        </p:txBody>
-      </p:sp>
-      <p:sp>
-        <p:nvSpPr>
-          <p:cNvPr id="3" name="Datumsplatzhalter 2"/>
+            <a:endParaRPr lang="en-US" dirty="0"/>
+          </a:p>
+        </p:txBody>
+      </p:sp>
+      <p:sp>
+        <p:nvSpPr>
+          <p:cNvPr id="3" name="Date Placeholder 2"/>
           <p:cNvSpPr>
             <a:spLocks noGrp="1"/>
           </p:cNvSpPr>
@@ -1733,7 +2097,7 @@
       </p:sp>
       <p:sp>
         <p:nvSpPr>
-          <p:cNvPr id="4" name="Fußzeilenplatzhalter 3"/>
+          <p:cNvPr id="4" name="Footer Placeholder 3"/>
           <p:cNvSpPr>
             <a:spLocks noGrp="1"/>
           </p:cNvSpPr>
@@ -1752,7 +2116,7 @@
       </p:sp>
       <p:sp>
         <p:nvSpPr>
-          <p:cNvPr id="5" name="Foliennummernplatzhalter 4"/>
+          <p:cNvPr id="5" name="Slide Number Placeholder 4"/>
           <p:cNvSpPr>
             <a:spLocks noGrp="1"/>
           </p:cNvSpPr>
@@ -1776,7 +2140,7 @@
     </p:spTree>
     <p:extLst>
       <p:ext uri="{BB962C8B-B14F-4D97-AF65-F5344CB8AC3E}">
-        <p14:creationId xmlns:p14="http://schemas.microsoft.com/office/powerpoint/2010/main" val="1416688414"/>
+        <p14:creationId xmlns:p14="http://schemas.microsoft.com/office/powerpoint/2010/main" val="4169907629"/>
       </p:ext>
     </p:extLst>
   </p:cSld>
@@ -1787,7 +2151,7 @@
 </file>
 
 <file path=ppt/slideLayouts/slideLayout7.xml><?xml version="1.0" encoding="utf-8"?>
-<p:sldLayout xmlns:a="http://schemas.openxmlformats.org/drawingml/2006/main" xmlns:r="http://schemas.openxmlformats.org/officeDocument/2006/relationships" xmlns:p="http://schemas.openxmlformats.org/presentationml/2006/main" type="blank" preserve="1">
+<p:sldLayout xmlns:a="http://schemas.openxmlformats.org/drawingml/2006/main" xmlns:r="http://schemas.openxmlformats.org/officeDocument/2006/relationships" xmlns:p="http://schemas.openxmlformats.org/presentationml/2006/main" showMasterSp="0" type="blank" preserve="1">
   <p:cSld name="Leer">
     <p:spTree>
       <p:nvGrpSpPr>
@@ -1805,7 +2169,85 @@
       </p:grpSpPr>
       <p:sp>
         <p:nvSpPr>
-          <p:cNvPr id="2" name="Datumsplatzhalter 1"/>
+          <p:cNvPr id="5" name="Rectangle 4"/>
+          <p:cNvSpPr/>
+          <p:nvPr/>
+        </p:nvSpPr>
+        <p:spPr>
+          <a:xfrm>
+            <a:off x="3175" y="6400800"/>
+            <a:ext cx="12188825" cy="457200"/>
+          </a:xfrm>
+          <a:prstGeom prst="rect">
+            <a:avLst/>
+          </a:prstGeom>
+          <a:solidFill>
+            <a:schemeClr val="accent4">
+              <a:lumMod val="75000"/>
+            </a:schemeClr>
+          </a:solidFill>
+          <a:ln>
+            <a:noFill/>
+          </a:ln>
+        </p:spPr>
+        <p:style>
+          <a:lnRef idx="2">
+            <a:schemeClr val="accent1">
+              <a:shade val="50000"/>
+            </a:schemeClr>
+          </a:lnRef>
+          <a:fillRef idx="1">
+            <a:schemeClr val="accent1"/>
+          </a:fillRef>
+          <a:effectRef idx="0">
+            <a:schemeClr val="accent1"/>
+          </a:effectRef>
+          <a:fontRef idx="minor">
+            <a:schemeClr val="lt1"/>
+          </a:fontRef>
+        </p:style>
+      </p:sp>
+      <p:sp>
+        <p:nvSpPr>
+          <p:cNvPr id="6" name="Rectangle 5"/>
+          <p:cNvSpPr/>
+          <p:nvPr/>
+        </p:nvSpPr>
+        <p:spPr>
+          <a:xfrm>
+            <a:off x="15" y="6334316"/>
+            <a:ext cx="12188825" cy="64008"/>
+          </a:xfrm>
+          <a:prstGeom prst="rect">
+            <a:avLst/>
+          </a:prstGeom>
+          <a:solidFill>
+            <a:schemeClr val="accent4"/>
+          </a:solidFill>
+          <a:ln>
+            <a:noFill/>
+          </a:ln>
+        </p:spPr>
+        <p:style>
+          <a:lnRef idx="2">
+            <a:schemeClr val="accent1">
+              <a:shade val="50000"/>
+            </a:schemeClr>
+          </a:lnRef>
+          <a:fillRef idx="1">
+            <a:schemeClr val="accent1"/>
+          </a:fillRef>
+          <a:effectRef idx="0">
+            <a:schemeClr val="accent1"/>
+          </a:effectRef>
+          <a:fontRef idx="minor">
+            <a:schemeClr val="lt1"/>
+          </a:fontRef>
+        </p:style>
+      </p:sp>
+      <p:sp>
+        <p:nvSpPr>
+          <p:cNvPr id="7" name="Date Placeholder 6"/>
           <p:cNvSpPr>
             <a:spLocks noGrp="1"/>
           </p:cNvSpPr>
@@ -1828,7 +2270,7 @@
       </p:sp>
       <p:sp>
         <p:nvSpPr>
-          <p:cNvPr id="3" name="Fußzeilenplatzhalter 2"/>
+          <p:cNvPr id="8" name="Footer Placeholder 7"/>
           <p:cNvSpPr>
             <a:spLocks noGrp="1"/>
           </p:cNvSpPr>
@@ -1839,7 +2281,15 @@
         <p:spPr/>
         <p:txBody>
           <a:bodyPr/>
-          <a:lstStyle/>
+          <a:lstStyle>
+            <a:lvl1pPr>
+              <a:defRPr>
+                <a:solidFill>
+                  <a:srgbClr val="FFFFFF"/>
+                </a:solidFill>
+              </a:defRPr>
+            </a:lvl1pPr>
+          </a:lstStyle>
           <a:p>
             <a:endParaRPr lang="de-DE"/>
           </a:p>
@@ -1847,7 +2297,7 @@
       </p:sp>
       <p:sp>
         <p:nvSpPr>
-          <p:cNvPr id="4" name="Foliennummernplatzhalter 3"/>
+          <p:cNvPr id="9" name="Slide Number Placeholder 8"/>
           <p:cNvSpPr>
             <a:spLocks noGrp="1"/>
           </p:cNvSpPr>
@@ -1871,7 +2321,7 @@
     </p:spTree>
     <p:extLst>
       <p:ext uri="{BB962C8B-B14F-4D97-AF65-F5344CB8AC3E}">
-        <p14:creationId xmlns:p14="http://schemas.microsoft.com/office/powerpoint/2010/main" val="1047602454"/>
+        <p14:creationId xmlns:p14="http://schemas.microsoft.com/office/powerpoint/2010/main" val="1903268306"/>
       </p:ext>
     </p:extLst>
   </p:cSld>
@@ -1882,7 +2332,7 @@
 </file>
 
 <file path=ppt/slideLayouts/slideLayout8.xml><?xml version="1.0" encoding="utf-8"?>
-<p:sldLayout xmlns:a="http://schemas.openxmlformats.org/drawingml/2006/main" xmlns:r="http://schemas.openxmlformats.org/officeDocument/2006/relationships" xmlns:p="http://schemas.openxmlformats.org/presentationml/2006/main" type="objTx" preserve="1">
+<p:sldLayout xmlns:a="http://schemas.openxmlformats.org/drawingml/2006/main" xmlns:r="http://schemas.openxmlformats.org/officeDocument/2006/relationships" xmlns:p="http://schemas.openxmlformats.org/presentationml/2006/main" showMasterSp="0" type="objTx" preserve="1">
   <p:cSld name="Inhalt mit Überschrift">
     <p:spTree>
       <p:nvGrpSpPr>
@@ -1900,7 +2350,85 @@
       </p:grpSpPr>
       <p:sp>
         <p:nvSpPr>
-          <p:cNvPr id="2" name="Titel 1"/>
+          <p:cNvPr id="8" name="Rectangle 7"/>
+          <p:cNvSpPr/>
+          <p:nvPr/>
+        </p:nvSpPr>
+        <p:spPr>
+          <a:xfrm>
+            <a:off x="16" y="0"/>
+            <a:ext cx="4050791" cy="6858000"/>
+          </a:xfrm>
+          <a:prstGeom prst="rect">
+            <a:avLst/>
+          </a:prstGeom>
+          <a:solidFill>
+            <a:schemeClr val="accent4">
+              <a:lumMod val="75000"/>
+            </a:schemeClr>
+          </a:solidFill>
+          <a:ln>
+            <a:noFill/>
+          </a:ln>
+        </p:spPr>
+        <p:style>
+          <a:lnRef idx="2">
+            <a:schemeClr val="accent1">
+              <a:shade val="50000"/>
+            </a:schemeClr>
+          </a:lnRef>
+          <a:fillRef idx="1">
+            <a:schemeClr val="accent1"/>
+          </a:fillRef>
+          <a:effectRef idx="0">
+            <a:schemeClr val="accent1"/>
+          </a:effectRef>
+          <a:fontRef idx="minor">
+            <a:schemeClr val="lt1"/>
+          </a:fontRef>
+        </p:style>
+      </p:sp>
+      <p:sp>
+        <p:nvSpPr>
+          <p:cNvPr id="9" name="Rectangle 8"/>
+          <p:cNvSpPr/>
+          <p:nvPr/>
+        </p:nvSpPr>
+        <p:spPr>
+          <a:xfrm>
+            <a:off x="4040071" y="0"/>
+            <a:ext cx="64008" cy="6858000"/>
+          </a:xfrm>
+          <a:prstGeom prst="rect">
+            <a:avLst/>
+          </a:prstGeom>
+          <a:solidFill>
+            <a:schemeClr val="accent4"/>
+          </a:solidFill>
+          <a:ln>
+            <a:noFill/>
+          </a:ln>
+        </p:spPr>
+        <p:style>
+          <a:lnRef idx="2">
+            <a:schemeClr val="accent1">
+              <a:shade val="50000"/>
+            </a:schemeClr>
+          </a:lnRef>
+          <a:fillRef idx="1">
+            <a:schemeClr val="accent1"/>
+          </a:fillRef>
+          <a:effectRef idx="0">
+            <a:schemeClr val="accent1"/>
+          </a:effectRef>
+          <a:fontRef idx="minor">
+            <a:schemeClr val="lt1"/>
+          </a:fontRef>
+        </p:style>
+      </p:sp>
+      <p:sp>
+        <p:nvSpPr>
+          <p:cNvPr id="2" name="Title 1"/>
           <p:cNvSpPr>
             <a:spLocks noGrp="1"/>
           </p:cNvSpPr>
@@ -1910,15 +2438,21 @@
         </p:nvSpPr>
         <p:spPr>
           <a:xfrm>
-            <a:off x="839788" y="457200"/>
-            <a:ext cx="3932237" cy="1600200"/>
-          </a:xfrm>
-        </p:spPr>
-        <p:txBody>
-          <a:bodyPr anchor="b"/>
+            <a:off x="457200" y="594359"/>
+            <a:ext cx="3200400" cy="2286000"/>
+          </a:xfrm>
+        </p:spPr>
+        <p:txBody>
+          <a:bodyPr anchor="b">
+            <a:normAutofit/>
+          </a:bodyPr>
           <a:lstStyle>
             <a:lvl1pPr>
-              <a:defRPr sz="3200"/>
+              <a:defRPr sz="3600" b="0">
+                <a:solidFill>
+                  <a:srgbClr val="FFFFFF"/>
+                </a:solidFill>
+              </a:defRPr>
             </a:lvl1pPr>
           </a:lstStyle>
           <a:p>
@@ -1926,13 +2460,13 @@
               <a:rPr lang="de-DE" smtClean="0"/>
               <a:t>Titelmasterformat durch Klicken bearbeiten</a:t>
             </a:r>
-            <a:endParaRPr lang="de-DE"/>
-          </a:p>
-        </p:txBody>
-      </p:sp>
-      <p:sp>
-        <p:nvSpPr>
-          <p:cNvPr id="3" name="Inhaltsplatzhalter 2"/>
+            <a:endParaRPr lang="en-US" dirty="0"/>
+          </a:p>
+        </p:txBody>
+      </p:sp>
+      <p:sp>
+        <p:nvSpPr>
+          <p:cNvPr id="3" name="Content Placeholder 2"/>
           <p:cNvSpPr>
             <a:spLocks noGrp="1"/>
           </p:cNvSpPr>
@@ -1942,39 +2476,111 @@
         </p:nvSpPr>
         <p:spPr>
           <a:xfrm>
-            <a:off x="5183188" y="987425"/>
-            <a:ext cx="6172200" cy="4873625"/>
-          </a:xfrm>
-        </p:spPr>
-        <p:txBody>
-          <a:bodyPr/>
+            <a:off x="4800600" y="731520"/>
+            <a:ext cx="6492240" cy="5257800"/>
+          </a:xfrm>
+        </p:spPr>
+        <p:txBody>
+          <a:bodyPr/>
+          <a:lstStyle/>
+          <a:p>
+            <a:pPr lvl="0"/>
+            <a:r>
+              <a:rPr lang="de-DE" smtClean="0"/>
+              <a:t>Formatvorlagen des Textmasters bearbeiten</a:t>
+            </a:r>
+          </a:p>
+          <a:p>
+            <a:pPr lvl="1"/>
+            <a:r>
+              <a:rPr lang="de-DE" smtClean="0"/>
+              <a:t>Zweite Ebene</a:t>
+            </a:r>
+          </a:p>
+          <a:p>
+            <a:pPr lvl="2"/>
+            <a:r>
+              <a:rPr lang="de-DE" smtClean="0"/>
+              <a:t>Dritte Ebene</a:t>
+            </a:r>
+          </a:p>
+          <a:p>
+            <a:pPr lvl="3"/>
+            <a:r>
+              <a:rPr lang="de-DE" smtClean="0"/>
+              <a:t>Vierte Ebene</a:t>
+            </a:r>
+          </a:p>
+          <a:p>
+            <a:pPr lvl="4"/>
+            <a:r>
+              <a:rPr lang="de-DE" smtClean="0"/>
+              <a:t>Fünfte Ebene</a:t>
+            </a:r>
+            <a:endParaRPr lang="en-US" dirty="0"/>
+          </a:p>
+        </p:txBody>
+      </p:sp>
+      <p:sp>
+        <p:nvSpPr>
+          <p:cNvPr id="4" name="Text Placeholder 3"/>
+          <p:cNvSpPr>
+            <a:spLocks noGrp="1"/>
+          </p:cNvSpPr>
+          <p:nvPr>
+            <p:ph type="body" sz="half" idx="2"/>
+          </p:nvPr>
+        </p:nvSpPr>
+        <p:spPr>
+          <a:xfrm>
+            <a:off x="457200" y="2926080"/>
+            <a:ext cx="3200400" cy="3379124"/>
+          </a:xfrm>
+        </p:spPr>
+        <p:txBody>
+          <a:bodyPr lIns="91440" rIns="91440">
+            <a:normAutofit/>
+          </a:bodyPr>
           <a:lstStyle>
-            <a:lvl1pPr>
-              <a:defRPr sz="3200"/>
+            <a:lvl1pPr marL="0" indent="0">
+              <a:buNone/>
+              <a:defRPr sz="1500">
+                <a:solidFill>
+                  <a:srgbClr val="FFFFFF"/>
+                </a:solidFill>
+              </a:defRPr>
             </a:lvl1pPr>
-            <a:lvl2pPr>
-              <a:defRPr sz="2800"/>
+            <a:lvl2pPr marL="457200" indent="0">
+              <a:buNone/>
+              <a:defRPr sz="1200"/>
             </a:lvl2pPr>
-            <a:lvl3pPr>
-              <a:defRPr sz="2400"/>
+            <a:lvl3pPr marL="914400" indent="0">
+              <a:buNone/>
+              <a:defRPr sz="1000"/>
             </a:lvl3pPr>
-            <a:lvl4pPr>
-              <a:defRPr sz="2000"/>
+            <a:lvl4pPr marL="1371600" indent="0">
+              <a:buNone/>
+              <a:defRPr sz="900"/>
             </a:lvl4pPr>
-            <a:lvl5pPr>
-              <a:defRPr sz="2000"/>
+            <a:lvl5pPr marL="1828800" indent="0">
+              <a:buNone/>
+              <a:defRPr sz="900"/>
             </a:lvl5pPr>
-            <a:lvl6pPr>
-              <a:defRPr sz="2000"/>
+            <a:lvl6pPr marL="2286000" indent="0">
+              <a:buNone/>
+              <a:defRPr sz="900"/>
             </a:lvl6pPr>
-            <a:lvl7pPr>
-              <a:defRPr sz="2000"/>
+            <a:lvl7pPr marL="2743200" indent="0">
+              <a:buNone/>
+              <a:defRPr sz="900"/>
             </a:lvl7pPr>
-            <a:lvl8pPr>
-              <a:defRPr sz="2000"/>
+            <a:lvl8pPr marL="3200400" indent="0">
+              <a:buNone/>
+              <a:defRPr sz="900"/>
             </a:lvl8pPr>
-            <a:lvl9pPr>
-              <a:defRPr sz="2000"/>
+            <a:lvl9pPr marL="3657600" indent="0">
+              <a:buNone/>
+              <a:defRPr sz="900"/>
             </a:lvl9pPr>
           </a:lstStyle>
           <a:p>
@@ -1984,116 +2590,31 @@
               <a:t>Formatvorlagen des Textmasters bearbeiten</a:t>
             </a:r>
           </a:p>
-          <a:p>
-            <a:pPr lvl="1"/>
-            <a:r>
-              <a:rPr lang="de-DE" smtClean="0"/>
-              <a:t>Zweite Ebene</a:t>
-            </a:r>
-          </a:p>
-          <a:p>
-            <a:pPr lvl="2"/>
-            <a:r>
-              <a:rPr lang="de-DE" smtClean="0"/>
-              <a:t>Dritte Ebene</a:t>
-            </a:r>
-          </a:p>
-          <a:p>
-            <a:pPr lvl="3"/>
-            <a:r>
-              <a:rPr lang="de-DE" smtClean="0"/>
-              <a:t>Vierte Ebene</a:t>
-            </a:r>
-          </a:p>
-          <a:p>
-            <a:pPr lvl="4"/>
-            <a:r>
-              <a:rPr lang="de-DE" smtClean="0"/>
-              <a:t>Fünfte Ebene</a:t>
-            </a:r>
-            <a:endParaRPr lang="de-DE"/>
-          </a:p>
-        </p:txBody>
-      </p:sp>
-      <p:sp>
-        <p:nvSpPr>
-          <p:cNvPr id="4" name="Textplatzhalter 3"/>
-          <p:cNvSpPr>
-            <a:spLocks noGrp="1"/>
-          </p:cNvSpPr>
-          <p:nvPr>
-            <p:ph type="body" sz="half" idx="2"/>
-          </p:nvPr>
-        </p:nvSpPr>
-        <p:spPr>
-          <a:xfrm>
-            <a:off x="839788" y="2057400"/>
-            <a:ext cx="3932237" cy="3811588"/>
+        </p:txBody>
+      </p:sp>
+      <p:sp>
+        <p:nvSpPr>
+          <p:cNvPr id="5" name="Date Placeholder 4"/>
+          <p:cNvSpPr>
+            <a:spLocks noGrp="1"/>
+          </p:cNvSpPr>
+          <p:nvPr>
+            <p:ph type="dt" sz="half" idx="10"/>
+          </p:nvPr>
+        </p:nvSpPr>
+        <p:spPr>
+          <a:xfrm>
+            <a:off x="465512" y="6459785"/>
+            <a:ext cx="2618510" cy="365125"/>
           </a:xfrm>
         </p:spPr>
         <p:txBody>
           <a:bodyPr/>
           <a:lstStyle>
-            <a:lvl1pPr marL="0" indent="0">
-              <a:buNone/>
-              <a:defRPr sz="1600"/>
+            <a:lvl1pPr algn="l">
+              <a:defRPr/>
             </a:lvl1pPr>
-            <a:lvl2pPr marL="457200" indent="0">
-              <a:buNone/>
-              <a:defRPr sz="1400"/>
-            </a:lvl2pPr>
-            <a:lvl3pPr marL="914400" indent="0">
-              <a:buNone/>
-              <a:defRPr sz="1200"/>
-            </a:lvl3pPr>
-            <a:lvl4pPr marL="1371600" indent="0">
-              <a:buNone/>
-              <a:defRPr sz="1000"/>
-            </a:lvl4pPr>
-            <a:lvl5pPr marL="1828800" indent="0">
-              <a:buNone/>
-              <a:defRPr sz="1000"/>
-            </a:lvl5pPr>
-            <a:lvl6pPr marL="2286000" indent="0">
-              <a:buNone/>
-              <a:defRPr sz="1000"/>
-            </a:lvl6pPr>
-            <a:lvl7pPr marL="2743200" indent="0">
-              <a:buNone/>
-              <a:defRPr sz="1000"/>
-            </a:lvl7pPr>
-            <a:lvl8pPr marL="3200400" indent="0">
-              <a:buNone/>
-              <a:defRPr sz="1000"/>
-            </a:lvl8pPr>
-            <a:lvl9pPr marL="3657600" indent="0">
-              <a:buNone/>
-              <a:defRPr sz="1000"/>
-            </a:lvl9pPr>
           </a:lstStyle>
-          <a:p>
-            <a:pPr lvl="0"/>
-            <a:r>
-              <a:rPr lang="de-DE" smtClean="0"/>
-              <a:t>Formatvorlagen des Textmasters bearbeiten</a:t>
-            </a:r>
-          </a:p>
-        </p:txBody>
-      </p:sp>
-      <p:sp>
-        <p:nvSpPr>
-          <p:cNvPr id="5" name="Datumsplatzhalter 4"/>
-          <p:cNvSpPr>
-            <a:spLocks noGrp="1"/>
-          </p:cNvSpPr>
-          <p:nvPr>
-            <p:ph type="dt" sz="half" idx="10"/>
-          </p:nvPr>
-        </p:nvSpPr>
-        <p:spPr/>
-        <p:txBody>
-          <a:bodyPr/>
-          <a:lstStyle/>
           <a:p>
             <a:fld id="{61B53E16-3F20-41B3-95A4-28CE57D182AB}" type="datetimeFigureOut">
               <a:rPr lang="de-DE" smtClean="0"/>
@@ -2105,7 +2626,7 @@
       </p:sp>
       <p:sp>
         <p:nvSpPr>
-          <p:cNvPr id="6" name="Fußzeilenplatzhalter 5"/>
+          <p:cNvPr id="6" name="Footer Placeholder 5"/>
           <p:cNvSpPr>
             <a:spLocks noGrp="1"/>
           </p:cNvSpPr>
@@ -2113,29 +2634,50 @@
             <p:ph type="ftr" sz="quarter" idx="11"/>
           </p:nvPr>
         </p:nvSpPr>
+        <p:spPr>
+          <a:xfrm>
+            <a:off x="4800600" y="6459785"/>
+            <a:ext cx="4648200" cy="365125"/>
+          </a:xfrm>
+        </p:spPr>
+        <p:txBody>
+          <a:bodyPr/>
+          <a:lstStyle>
+            <a:lvl1pPr algn="l">
+              <a:defRPr>
+                <a:solidFill>
+                  <a:schemeClr val="tx2"/>
+                </a:solidFill>
+              </a:defRPr>
+            </a:lvl1pPr>
+          </a:lstStyle>
+          <a:p>
+            <a:endParaRPr lang="de-DE"/>
+          </a:p>
+        </p:txBody>
+      </p:sp>
+      <p:sp>
+        <p:nvSpPr>
+          <p:cNvPr id="7" name="Slide Number Placeholder 6"/>
+          <p:cNvSpPr>
+            <a:spLocks noGrp="1"/>
+          </p:cNvSpPr>
+          <p:nvPr>
+            <p:ph type="sldNum" sz="quarter" idx="12"/>
+          </p:nvPr>
+        </p:nvSpPr>
         <p:spPr/>
         <p:txBody>
           <a:bodyPr/>
-          <a:lstStyle/>
-          <a:p>
-            <a:endParaRPr lang="de-DE"/>
-          </a:p>
-        </p:txBody>
-      </p:sp>
-      <p:sp>
-        <p:nvSpPr>
-          <p:cNvPr id="7" name="Foliennummernplatzhalter 6"/>
-          <p:cNvSpPr>
-            <a:spLocks noGrp="1"/>
-          </p:cNvSpPr>
-          <p:nvPr>
-            <p:ph type="sldNum" sz="quarter" idx="12"/>
-          </p:nvPr>
-        </p:nvSpPr>
-        <p:spPr/>
-        <p:txBody>
-          <a:bodyPr/>
-          <a:lstStyle/>
+          <a:lstStyle>
+            <a:lvl1pPr>
+              <a:defRPr>
+                <a:solidFill>
+                  <a:schemeClr val="tx2"/>
+                </a:solidFill>
+              </a:defRPr>
+            </a:lvl1pPr>
+          </a:lstStyle>
           <a:p>
             <a:fld id="{D914F879-5646-433E-B2C7-8242FEDF2E7C}" type="slidenum">
               <a:rPr lang="de-DE" smtClean="0"/>
@@ -2148,7 +2690,7 @@
     </p:spTree>
     <p:extLst>
       <p:ext uri="{BB962C8B-B14F-4D97-AF65-F5344CB8AC3E}">
-        <p14:creationId xmlns:p14="http://schemas.microsoft.com/office/powerpoint/2010/main" val="311925752"/>
+        <p14:creationId xmlns:p14="http://schemas.microsoft.com/office/powerpoint/2010/main" val="51449072"/>
       </p:ext>
     </p:extLst>
   </p:cSld>
@@ -2159,7 +2701,7 @@
 </file>
 
 <file path=ppt/slideLayouts/slideLayout9.xml><?xml version="1.0" encoding="utf-8"?>
-<p:sldLayout xmlns:a="http://schemas.openxmlformats.org/drawingml/2006/main" xmlns:r="http://schemas.openxmlformats.org/officeDocument/2006/relationships" xmlns:p="http://schemas.openxmlformats.org/presentationml/2006/main" type="picTx" preserve="1">
+<p:sldLayout xmlns:a="http://schemas.openxmlformats.org/drawingml/2006/main" xmlns:r="http://schemas.openxmlformats.org/officeDocument/2006/relationships" xmlns:p="http://schemas.openxmlformats.org/presentationml/2006/main" showMasterSp="0" type="picTx" preserve="1">
   <p:cSld name="Bild mit Überschrift">
     <p:spTree>
       <p:nvGrpSpPr>
@@ -2177,7 +2719,85 @@
       </p:grpSpPr>
       <p:sp>
         <p:nvSpPr>
-          <p:cNvPr id="2" name="Titel 1"/>
+          <p:cNvPr id="8" name="Rectangle 7"/>
+          <p:cNvSpPr/>
+          <p:nvPr/>
+        </p:nvSpPr>
+        <p:spPr>
+          <a:xfrm>
+            <a:off x="0" y="4953000"/>
+            <a:ext cx="12188825" cy="1905000"/>
+          </a:xfrm>
+          <a:prstGeom prst="rect">
+            <a:avLst/>
+          </a:prstGeom>
+          <a:solidFill>
+            <a:schemeClr val="accent4">
+              <a:lumMod val="75000"/>
+            </a:schemeClr>
+          </a:solidFill>
+          <a:ln>
+            <a:noFill/>
+          </a:ln>
+        </p:spPr>
+        <p:style>
+          <a:lnRef idx="2">
+            <a:schemeClr val="accent1">
+              <a:shade val="50000"/>
+            </a:schemeClr>
+          </a:lnRef>
+          <a:fillRef idx="1">
+            <a:schemeClr val="accent1"/>
+          </a:fillRef>
+          <a:effectRef idx="0">
+            <a:schemeClr val="accent1"/>
+          </a:effectRef>
+          <a:fontRef idx="minor">
+            <a:schemeClr val="lt1"/>
+          </a:fontRef>
+        </p:style>
+      </p:sp>
+      <p:sp>
+        <p:nvSpPr>
+          <p:cNvPr id="9" name="Rectangle 8"/>
+          <p:cNvSpPr/>
+          <p:nvPr/>
+        </p:nvSpPr>
+        <p:spPr>
+          <a:xfrm>
+            <a:off x="15" y="4915076"/>
+            <a:ext cx="12188825" cy="64008"/>
+          </a:xfrm>
+          <a:prstGeom prst="rect">
+            <a:avLst/>
+          </a:prstGeom>
+          <a:solidFill>
+            <a:schemeClr val="accent4"/>
+          </a:solidFill>
+          <a:ln>
+            <a:noFill/>
+          </a:ln>
+        </p:spPr>
+        <p:style>
+          <a:lnRef idx="2">
+            <a:schemeClr val="accent1">
+              <a:shade val="50000"/>
+            </a:schemeClr>
+          </a:lnRef>
+          <a:fillRef idx="1">
+            <a:schemeClr val="accent1"/>
+          </a:fillRef>
+          <a:effectRef idx="0">
+            <a:schemeClr val="accent1"/>
+          </a:effectRef>
+          <a:fontRef idx="minor">
+            <a:schemeClr val="lt1"/>
+          </a:fontRef>
+        </p:style>
+      </p:sp>
+      <p:sp>
+        <p:nvSpPr>
+          <p:cNvPr id="2" name="Title 1"/>
           <p:cNvSpPr>
             <a:spLocks noGrp="1"/>
           </p:cNvSpPr>
@@ -2187,15 +2807,21 @@
         </p:nvSpPr>
         <p:spPr>
           <a:xfrm>
-            <a:off x="839788" y="457200"/>
-            <a:ext cx="3932237" cy="1600200"/>
-          </a:xfrm>
-        </p:spPr>
-        <p:txBody>
-          <a:bodyPr anchor="b"/>
+            <a:off x="1097280" y="5074920"/>
+            <a:ext cx="10113645" cy="822960"/>
+          </a:xfrm>
+        </p:spPr>
+        <p:txBody>
+          <a:bodyPr lIns="91440" tIns="0" rIns="91440" bIns="0" anchor="b">
+            <a:noAutofit/>
+          </a:bodyPr>
           <a:lstStyle>
             <a:lvl1pPr>
-              <a:defRPr sz="3200"/>
+              <a:defRPr sz="3600" b="0">
+                <a:solidFill>
+                  <a:srgbClr val="FFFFFF"/>
+                </a:solidFill>
+              </a:defRPr>
             </a:lvl1pPr>
           </a:lstStyle>
           <a:p>
@@ -2203,15 +2829,15 @@
               <a:rPr lang="de-DE" smtClean="0"/>
               <a:t>Titelmasterformat durch Klicken bearbeiten</a:t>
             </a:r>
-            <a:endParaRPr lang="de-DE"/>
-          </a:p>
-        </p:txBody>
-      </p:sp>
-      <p:sp>
-        <p:nvSpPr>
-          <p:cNvPr id="3" name="Bildplatzhalter 2"/>
-          <p:cNvSpPr>
-            <a:spLocks noGrp="1"/>
+            <a:endParaRPr lang="en-US" dirty="0"/>
+          </a:p>
+        </p:txBody>
+      </p:sp>
+      <p:sp>
+        <p:nvSpPr>
+          <p:cNvPr id="3" name="Picture Placeholder 2"/>
+          <p:cNvSpPr>
+            <a:spLocks noGrp="1" noChangeAspect="1"/>
           </p:cNvSpPr>
           <p:nvPr>
             <p:ph type="pic" idx="1"/>
@@ -2219,12 +2845,17 @@
         </p:nvSpPr>
         <p:spPr>
           <a:xfrm>
-            <a:off x="5183188" y="987425"/>
-            <a:ext cx="6172200" cy="4873625"/>
-          </a:xfrm>
-        </p:spPr>
-        <p:txBody>
-          <a:bodyPr/>
+            <a:off x="15" y="0"/>
+            <a:ext cx="12191985" cy="4915076"/>
+          </a:xfrm>
+          <a:solidFill>
+            <a:schemeClr val="bg2">
+              <a:lumMod val="90000"/>
+            </a:schemeClr>
+          </a:solidFill>
+        </p:spPr>
+        <p:txBody>
+          <a:bodyPr lIns="457200" tIns="457200" anchor="t"/>
           <a:lstStyle>
             <a:lvl1pPr marL="0" indent="0">
               <a:buNone/>
@@ -2264,13 +2895,17 @@
             </a:lvl9pPr>
           </a:lstStyle>
           <a:p>
-            <a:endParaRPr lang="de-DE"/>
-          </a:p>
-        </p:txBody>
-      </p:sp>
-      <p:sp>
-        <p:nvSpPr>
-          <p:cNvPr id="4" name="Textplatzhalter 3"/>
+            <a:r>
+              <a:rPr lang="de-DE" smtClean="0"/>
+              <a:t>Bild durch Klicken auf Symbol hinzufügen</a:t>
+            </a:r>
+            <a:endParaRPr lang="en-US" dirty="0"/>
+          </a:p>
+        </p:txBody>
+      </p:sp>
+      <p:sp>
+        <p:nvSpPr>
+          <p:cNvPr id="4" name="Text Placeholder 3"/>
           <p:cNvSpPr>
             <a:spLocks noGrp="1"/>
           </p:cNvSpPr>
@@ -2280,48 +2915,60 @@
         </p:nvSpPr>
         <p:spPr>
           <a:xfrm>
-            <a:off x="839788" y="2057400"/>
-            <a:ext cx="3932237" cy="3811588"/>
-          </a:xfrm>
-        </p:spPr>
-        <p:txBody>
-          <a:bodyPr/>
+            <a:off x="1097280" y="5907024"/>
+            <a:ext cx="10113264" cy="594360"/>
+          </a:xfrm>
+        </p:spPr>
+        <p:txBody>
+          <a:bodyPr lIns="91440" tIns="0" rIns="91440" bIns="0">
+            <a:normAutofit/>
+          </a:bodyPr>
           <a:lstStyle>
             <a:lvl1pPr marL="0" indent="0">
-              <a:buNone/>
-              <a:defRPr sz="1600"/>
+              <a:spcBef>
+                <a:spcPts val="0"/>
+              </a:spcBef>
+              <a:spcAft>
+                <a:spcPts val="600"/>
+              </a:spcAft>
+              <a:buNone/>
+              <a:defRPr sz="1500">
+                <a:solidFill>
+                  <a:srgbClr val="FFFFFF"/>
+                </a:solidFill>
+              </a:defRPr>
             </a:lvl1pPr>
             <a:lvl2pPr marL="457200" indent="0">
               <a:buNone/>
-              <a:defRPr sz="1400"/>
+              <a:defRPr sz="1200"/>
             </a:lvl2pPr>
             <a:lvl3pPr marL="914400" indent="0">
               <a:buNone/>
-              <a:defRPr sz="1200"/>
+              <a:defRPr sz="1000"/>
             </a:lvl3pPr>
             <a:lvl4pPr marL="1371600" indent="0">
               <a:buNone/>
-              <a:defRPr sz="1000"/>
+              <a:defRPr sz="900"/>
             </a:lvl4pPr>
             <a:lvl5pPr marL="1828800" indent="0">
               <a:buNone/>
-              <a:defRPr sz="1000"/>
+              <a:defRPr sz="900"/>
             </a:lvl5pPr>
             <a:lvl6pPr marL="2286000" indent="0">
               <a:buNone/>
-              <a:defRPr sz="1000"/>
+              <a:defRPr sz="900"/>
             </a:lvl6pPr>
             <a:lvl7pPr marL="2743200" indent="0">
               <a:buNone/>
-              <a:defRPr sz="1000"/>
+              <a:defRPr sz="900"/>
             </a:lvl7pPr>
             <a:lvl8pPr marL="3200400" indent="0">
               <a:buNone/>
-              <a:defRPr sz="1000"/>
+              <a:defRPr sz="900"/>
             </a:lvl8pPr>
             <a:lvl9pPr marL="3657600" indent="0">
               <a:buNone/>
-              <a:defRPr sz="1000"/>
+              <a:defRPr sz="900"/>
             </a:lvl9pPr>
           </a:lstStyle>
           <a:p>
@@ -2335,7 +2982,7 @@
       </p:sp>
       <p:sp>
         <p:nvSpPr>
-          <p:cNvPr id="5" name="Datumsplatzhalter 4"/>
+          <p:cNvPr id="5" name="Date Placeholder 4"/>
           <p:cNvSpPr>
             <a:spLocks noGrp="1"/>
           </p:cNvSpPr>
@@ -2358,7 +3005,7 @@
       </p:sp>
       <p:sp>
         <p:nvSpPr>
-          <p:cNvPr id="6" name="Fußzeilenplatzhalter 5"/>
+          <p:cNvPr id="6" name="Footer Placeholder 5"/>
           <p:cNvSpPr>
             <a:spLocks noGrp="1"/>
           </p:cNvSpPr>
@@ -2377,7 +3024,7 @@
       </p:sp>
       <p:sp>
         <p:nvSpPr>
-          <p:cNvPr id="7" name="Foliennummernplatzhalter 6"/>
+          <p:cNvPr id="7" name="Slide Number Placeholder 6"/>
           <p:cNvSpPr>
             <a:spLocks noGrp="1"/>
           </p:cNvSpPr>
@@ -2401,7 +3048,7 @@
     </p:spTree>
     <p:extLst>
       <p:ext uri="{BB962C8B-B14F-4D97-AF65-F5344CB8AC3E}">
-        <p14:creationId xmlns:p14="http://schemas.microsoft.com/office/powerpoint/2010/main" val="3855175960"/>
+        <p14:creationId xmlns:p14="http://schemas.microsoft.com/office/powerpoint/2010/main" val="2024067773"/>
       </p:ext>
     </p:extLst>
   </p:cSld>
@@ -2416,7 +3063,7 @@
   <p:cSld>
     <p:bg>
       <p:bgRef idx="1001">
-        <a:schemeClr val="bg1"/>
+        <a:schemeClr val="bg2"/>
       </p:bgRef>
     </p:bg>
     <p:spTree>
@@ -2435,127 +3082,203 @@
       </p:grpSpPr>
       <p:sp>
         <p:nvSpPr>
-          <p:cNvPr id="2" name="Titelplatzhalter 1"/>
-          <p:cNvSpPr>
-            <a:spLocks noGrp="1"/>
-          </p:cNvSpPr>
-          <p:nvPr>
-            <p:ph type="title"/>
-          </p:nvPr>
-        </p:nvSpPr>
-        <p:spPr>
-          <a:xfrm>
-            <a:off x="838200" y="365125"/>
-            <a:ext cx="10515600" cy="1325563"/>
+          <p:cNvPr id="7" name="Rectangle 6"/>
+          <p:cNvSpPr/>
+          <p:nvPr/>
+        </p:nvSpPr>
+        <p:spPr>
+          <a:xfrm>
+            <a:off x="1" y="6400800"/>
+            <a:ext cx="12192000" cy="457200"/>
           </a:xfrm>
           <a:prstGeom prst="rect">
             <a:avLst/>
           </a:prstGeom>
-        </p:spPr>
-        <p:txBody>
-          <a:bodyPr vert="horz" lIns="91440" tIns="45720" rIns="91440" bIns="45720" rtlCol="0" anchor="ctr">
-            <a:normAutofit/>
-          </a:bodyPr>
-          <a:lstStyle/>
-          <a:p>
-            <a:r>
-              <a:rPr lang="de-DE" smtClean="0"/>
-              <a:t>Titelmasterformat durch Klicken bearbeiten</a:t>
-            </a:r>
-            <a:endParaRPr lang="de-DE"/>
-          </a:p>
-        </p:txBody>
-      </p:sp>
-      <p:sp>
-        <p:nvSpPr>
-          <p:cNvPr id="3" name="Textplatzhalter 2"/>
-          <p:cNvSpPr>
-            <a:spLocks noGrp="1"/>
-          </p:cNvSpPr>
-          <p:nvPr>
-            <p:ph type="body" idx="1"/>
-          </p:nvPr>
-        </p:nvSpPr>
-        <p:spPr>
-          <a:xfrm>
-            <a:off x="838200" y="1825625"/>
-            <a:ext cx="10515600" cy="4351338"/>
+          <a:solidFill>
+            <a:schemeClr val="accent4">
+              <a:lumMod val="75000"/>
+            </a:schemeClr>
+          </a:solidFill>
+          <a:ln>
+            <a:noFill/>
+          </a:ln>
+        </p:spPr>
+        <p:style>
+          <a:lnRef idx="2">
+            <a:schemeClr val="accent1">
+              <a:shade val="50000"/>
+            </a:schemeClr>
+          </a:lnRef>
+          <a:fillRef idx="1">
+            <a:schemeClr val="accent1"/>
+          </a:fillRef>
+          <a:effectRef idx="0">
+            <a:schemeClr val="accent1"/>
+          </a:effectRef>
+          <a:fontRef idx="minor">
+            <a:schemeClr val="lt1"/>
+          </a:fontRef>
+        </p:style>
+      </p:sp>
+      <p:sp>
+        <p:nvSpPr>
+          <p:cNvPr id="9" name="Rectangle 8"/>
+          <p:cNvSpPr/>
+          <p:nvPr/>
+        </p:nvSpPr>
+        <p:spPr>
+          <a:xfrm>
+            <a:off x="15" y="6334316"/>
+            <a:ext cx="12191985" cy="66484"/>
           </a:xfrm>
           <a:prstGeom prst="rect">
             <a:avLst/>
           </a:prstGeom>
-        </p:spPr>
-        <p:txBody>
-          <a:bodyPr vert="horz" lIns="91440" tIns="45720" rIns="91440" bIns="45720" rtlCol="0">
-            <a:normAutofit/>
-          </a:bodyPr>
-          <a:lstStyle/>
-          <a:p>
-            <a:pPr lvl="0"/>
-            <a:r>
-              <a:rPr lang="de-DE" smtClean="0"/>
-              <a:t>Formatvorlagen des Textmasters bearbeiten</a:t>
-            </a:r>
-          </a:p>
-          <a:p>
-            <a:pPr lvl="1"/>
-            <a:r>
-              <a:rPr lang="de-DE" smtClean="0"/>
-              <a:t>Zweite Ebene</a:t>
-            </a:r>
-          </a:p>
-          <a:p>
-            <a:pPr lvl="2"/>
-            <a:r>
-              <a:rPr lang="de-DE" smtClean="0"/>
-              <a:t>Dritte Ebene</a:t>
-            </a:r>
-          </a:p>
-          <a:p>
-            <a:pPr lvl="3"/>
-            <a:r>
-              <a:rPr lang="de-DE" smtClean="0"/>
-              <a:t>Vierte Ebene</a:t>
-            </a:r>
-          </a:p>
-          <a:p>
-            <a:pPr lvl="4"/>
-            <a:r>
-              <a:rPr lang="de-DE" smtClean="0"/>
-              <a:t>Fünfte Ebene</a:t>
-            </a:r>
-            <a:endParaRPr lang="de-DE"/>
-          </a:p>
-        </p:txBody>
-      </p:sp>
-      <p:sp>
-        <p:nvSpPr>
-          <p:cNvPr id="4" name="Datumsplatzhalter 3"/>
-          <p:cNvSpPr>
-            <a:spLocks noGrp="1"/>
-          </p:cNvSpPr>
-          <p:nvPr>
-            <p:ph type="dt" sz="half" idx="2"/>
-          </p:nvPr>
-        </p:nvSpPr>
-        <p:spPr>
-          <a:xfrm>
-            <a:off x="838200" y="6356350"/>
-            <a:ext cx="2743200" cy="365125"/>
+          <a:solidFill>
+            <a:schemeClr val="accent4"/>
+          </a:solidFill>
+          <a:ln>
+            <a:noFill/>
+          </a:ln>
+        </p:spPr>
+        <p:style>
+          <a:lnRef idx="2">
+            <a:schemeClr val="accent1">
+              <a:shade val="50000"/>
+            </a:schemeClr>
+          </a:lnRef>
+          <a:fillRef idx="1">
+            <a:schemeClr val="accent1"/>
+          </a:fillRef>
+          <a:effectRef idx="0">
+            <a:schemeClr val="accent1"/>
+          </a:effectRef>
+          <a:fontRef idx="minor">
+            <a:schemeClr val="lt1"/>
+          </a:fontRef>
+        </p:style>
+      </p:sp>
+      <p:sp>
+        <p:nvSpPr>
+          <p:cNvPr id="2" name="Title Placeholder 1"/>
+          <p:cNvSpPr>
+            <a:spLocks noGrp="1"/>
+          </p:cNvSpPr>
+          <p:nvPr>
+            <p:ph type="title"/>
+          </p:nvPr>
+        </p:nvSpPr>
+        <p:spPr>
+          <a:xfrm>
+            <a:off x="1097280" y="286603"/>
+            <a:ext cx="10058400" cy="1450757"/>
           </a:xfrm>
           <a:prstGeom prst="rect">
             <a:avLst/>
           </a:prstGeom>
         </p:spPr>
         <p:txBody>
+          <a:bodyPr vert="horz" lIns="91440" tIns="45720" rIns="91440" bIns="45720" rtlCol="0" anchor="b">
+            <a:normAutofit/>
+          </a:bodyPr>
+          <a:lstStyle/>
+          <a:p>
+            <a:r>
+              <a:rPr lang="de-DE" smtClean="0"/>
+              <a:t>Titelmasterformat durch Klicken bearbeiten</a:t>
+            </a:r>
+            <a:endParaRPr lang="en-US" dirty="0"/>
+          </a:p>
+        </p:txBody>
+      </p:sp>
+      <p:sp>
+        <p:nvSpPr>
+          <p:cNvPr id="3" name="Text Placeholder 2"/>
+          <p:cNvSpPr>
+            <a:spLocks noGrp="1"/>
+          </p:cNvSpPr>
+          <p:nvPr>
+            <p:ph type="body" idx="1"/>
+          </p:nvPr>
+        </p:nvSpPr>
+        <p:spPr>
+          <a:xfrm>
+            <a:off x="1097280" y="1845734"/>
+            <a:ext cx="10058400" cy="4023360"/>
+          </a:xfrm>
+          <a:prstGeom prst="rect">
+            <a:avLst/>
+          </a:prstGeom>
+        </p:spPr>
+        <p:txBody>
+          <a:bodyPr vert="horz" lIns="0" tIns="45720" rIns="0" bIns="45720" rtlCol="0">
+            <a:normAutofit/>
+          </a:bodyPr>
+          <a:lstStyle/>
+          <a:p>
+            <a:pPr lvl="0"/>
+            <a:r>
+              <a:rPr lang="de-DE" smtClean="0"/>
+              <a:t>Formatvorlagen des Textmasters bearbeiten</a:t>
+            </a:r>
+          </a:p>
+          <a:p>
+            <a:pPr lvl="1"/>
+            <a:r>
+              <a:rPr lang="de-DE" smtClean="0"/>
+              <a:t>Zweite Ebene</a:t>
+            </a:r>
+          </a:p>
+          <a:p>
+            <a:pPr lvl="2"/>
+            <a:r>
+              <a:rPr lang="de-DE" smtClean="0"/>
+              <a:t>Dritte Ebene</a:t>
+            </a:r>
+          </a:p>
+          <a:p>
+            <a:pPr lvl="3"/>
+            <a:r>
+              <a:rPr lang="de-DE" smtClean="0"/>
+              <a:t>Vierte Ebene</a:t>
+            </a:r>
+          </a:p>
+          <a:p>
+            <a:pPr lvl="4"/>
+            <a:r>
+              <a:rPr lang="de-DE" smtClean="0"/>
+              <a:t>Fünfte Ebene</a:t>
+            </a:r>
+            <a:endParaRPr lang="en-US" dirty="0"/>
+          </a:p>
+        </p:txBody>
+      </p:sp>
+      <p:sp>
+        <p:nvSpPr>
+          <p:cNvPr id="4" name="Date Placeholder 3"/>
+          <p:cNvSpPr>
+            <a:spLocks noGrp="1"/>
+          </p:cNvSpPr>
+          <p:nvPr>
+            <p:ph type="dt" sz="half" idx="2"/>
+          </p:nvPr>
+        </p:nvSpPr>
+        <p:spPr>
+          <a:xfrm>
+            <a:off x="1097280" y="6459785"/>
+            <a:ext cx="2472271" cy="365125"/>
+          </a:xfrm>
+          <a:prstGeom prst="rect">
+            <a:avLst/>
+          </a:prstGeom>
+        </p:spPr>
+        <p:txBody>
           <a:bodyPr vert="horz" lIns="91440" tIns="45720" rIns="91440" bIns="45720" rtlCol="0" anchor="ctr"/>
           <a:lstStyle>
             <a:lvl1pPr algn="l">
-              <a:defRPr sz="1200">
+              <a:defRPr sz="900">
                 <a:solidFill>
-                  <a:schemeClr val="tx1">
-                    <a:tint val="75000"/>
-                  </a:schemeClr>
+                  <a:srgbClr val="FFFFFF"/>
                 </a:solidFill>
               </a:defRPr>
             </a:lvl1pPr>
@@ -2571,7 +3294,7 @@
       </p:sp>
       <p:sp>
         <p:nvSpPr>
-          <p:cNvPr id="5" name="Fußzeilenplatzhalter 4"/>
+          <p:cNvPr id="5" name="Footer Placeholder 4"/>
           <p:cNvSpPr>
             <a:spLocks noGrp="1"/>
           </p:cNvSpPr>
@@ -2581,8 +3304,8 @@
         </p:nvSpPr>
         <p:spPr>
           <a:xfrm>
-            <a:off x="4038600" y="6356350"/>
-            <a:ext cx="4114800" cy="365125"/>
+            <a:off x="3686185" y="6459785"/>
+            <a:ext cx="4822804" cy="365125"/>
           </a:xfrm>
           <a:prstGeom prst="rect">
             <a:avLst/>
@@ -2592,11 +3315,9 @@
           <a:bodyPr vert="horz" lIns="91440" tIns="45720" rIns="91440" bIns="45720" rtlCol="0" anchor="ctr"/>
           <a:lstStyle>
             <a:lvl1pPr algn="ctr">
-              <a:defRPr sz="1200">
+              <a:defRPr sz="900" cap="all" baseline="0">
                 <a:solidFill>
-                  <a:schemeClr val="tx1">
-                    <a:tint val="75000"/>
-                  </a:schemeClr>
+                  <a:srgbClr val="FFFFFF"/>
                 </a:solidFill>
               </a:defRPr>
             </a:lvl1pPr>
@@ -2608,7 +3329,7 @@
       </p:sp>
       <p:sp>
         <p:nvSpPr>
-          <p:cNvPr id="6" name="Foliennummernplatzhalter 5"/>
+          <p:cNvPr id="6" name="Slide Number Placeholder 5"/>
           <p:cNvSpPr>
             <a:spLocks noGrp="1"/>
           </p:cNvSpPr>
@@ -2618,8 +3339,8 @@
         </p:nvSpPr>
         <p:spPr>
           <a:xfrm>
-            <a:off x="8610600" y="6356350"/>
-            <a:ext cx="2743200" cy="365125"/>
+            <a:off x="9900458" y="6459785"/>
+            <a:ext cx="1312025" cy="365125"/>
           </a:xfrm>
           <a:prstGeom prst="rect">
             <a:avLst/>
@@ -2629,11 +3350,9 @@
           <a:bodyPr vert="horz" lIns="91440" tIns="45720" rIns="91440" bIns="45720" rtlCol="0" anchor="ctr"/>
           <a:lstStyle>
             <a:lvl1pPr algn="r">
-              <a:defRPr sz="1200">
+              <a:defRPr sz="1050">
                 <a:solidFill>
-                  <a:schemeClr val="tx1">
-                    <a:tint val="75000"/>
-                  </a:schemeClr>
+                  <a:srgbClr val="FFFFFF"/>
                 </a:solidFill>
               </a:defRPr>
             </a:lvl1pPr>
@@ -2647,40 +3366,81 @@
           </a:p>
         </p:txBody>
       </p:sp>
+      <p:cxnSp>
+        <p:nvCxnSpPr>
+          <p:cNvPr id="10" name="Straight Connector 9"/>
+          <p:cNvCxnSpPr/>
+          <p:nvPr/>
+        </p:nvCxnSpPr>
+        <p:spPr>
+          <a:xfrm>
+            <a:off x="1193532" y="1737845"/>
+            <a:ext cx="9966960" cy="0"/>
+          </a:xfrm>
+          <a:prstGeom prst="line">
+            <a:avLst/>
+          </a:prstGeom>
+          <a:ln w="6350">
+            <a:solidFill>
+              <a:schemeClr val="tx1">
+                <a:lumMod val="50000"/>
+                <a:lumOff val="50000"/>
+              </a:schemeClr>
+            </a:solidFill>
+          </a:ln>
+        </p:spPr>
+        <p:style>
+          <a:lnRef idx="1">
+            <a:schemeClr val="accent1"/>
+          </a:lnRef>
+          <a:fillRef idx="0">
+            <a:schemeClr val="accent1"/>
+          </a:fillRef>
+          <a:effectRef idx="0">
+            <a:schemeClr val="accent1"/>
+          </a:effectRef>
+          <a:fontRef idx="minor">
+            <a:schemeClr val="tx1"/>
+          </a:fontRef>
+        </p:style>
+      </p:cxnSp>
     </p:spTree>
     <p:extLst>
       <p:ext uri="{BB962C8B-B14F-4D97-AF65-F5344CB8AC3E}">
-        <p14:creationId xmlns:p14="http://schemas.microsoft.com/office/powerpoint/2010/main" val="755583484"/>
+        <p14:creationId xmlns:p14="http://schemas.microsoft.com/office/powerpoint/2010/main" val="138275629"/>
       </p:ext>
     </p:extLst>
   </p:cSld>
   <p:clrMap bg1="lt1" tx1="dk1" bg2="lt2" tx2="dk2" accent1="accent1" accent2="accent2" accent3="accent3" accent4="accent4" accent5="accent5" accent6="accent6" hlink="hlink" folHlink="folHlink"/>
   <p:sldLayoutIdLst>
-    <p:sldLayoutId id="2147483649" r:id="rId1"/>
-    <p:sldLayoutId id="2147483650" r:id="rId2"/>
-    <p:sldLayoutId id="2147483651" r:id="rId3"/>
-    <p:sldLayoutId id="2147483652" r:id="rId4"/>
-    <p:sldLayoutId id="2147483653" r:id="rId5"/>
-    <p:sldLayoutId id="2147483654" r:id="rId6"/>
-    <p:sldLayoutId id="2147483655" r:id="rId7"/>
-    <p:sldLayoutId id="2147483656" r:id="rId8"/>
-    <p:sldLayoutId id="2147483657" r:id="rId9"/>
-    <p:sldLayoutId id="2147483658" r:id="rId10"/>
-    <p:sldLayoutId id="2147483659" r:id="rId11"/>
+    <p:sldLayoutId id="2147483703" r:id="rId1"/>
+    <p:sldLayoutId id="2147483704" r:id="rId2"/>
+    <p:sldLayoutId id="2147483705" r:id="rId3"/>
+    <p:sldLayoutId id="2147483706" r:id="rId4"/>
+    <p:sldLayoutId id="2147483707" r:id="rId5"/>
+    <p:sldLayoutId id="2147483708" r:id="rId6"/>
+    <p:sldLayoutId id="2147483709" r:id="rId7"/>
+    <p:sldLayoutId id="2147483710" r:id="rId8"/>
+    <p:sldLayoutId id="2147483711" r:id="rId9"/>
+    <p:sldLayoutId id="2147483712" r:id="rId10"/>
+    <p:sldLayoutId id="2147483713" r:id="rId11"/>
   </p:sldLayoutIdLst>
   <p:txStyles>
     <p:titleStyle>
       <a:lvl1pPr algn="l" defTabSz="914400" rtl="0" eaLnBrk="1" latinLnBrk="0" hangingPunct="1">
         <a:lnSpc>
-          <a:spcPct val="90000"/>
+          <a:spcPct val="85000"/>
         </a:lnSpc>
         <a:spcBef>
           <a:spcPct val="0"/>
         </a:spcBef>
         <a:buNone/>
-        <a:defRPr sz="4400" kern="1200">
+        <a:defRPr sz="4800" kern="1200" spc="-50" baseline="0">
           <a:solidFill>
-            <a:schemeClr val="tx1"/>
+            <a:schemeClr val="tx1">
+              <a:lumMod val="75000"/>
+              <a:lumOff val="25000"/>
+            </a:schemeClr>
           </a:solidFill>
           <a:latin typeface="+mj-lt"/>
           <a:ea typeface="+mj-ea"/>
@@ -2689,162 +3449,244 @@
       </a:lvl1pPr>
     </p:titleStyle>
     <p:bodyStyle>
-      <a:lvl1pPr marL="228600" indent="-228600" algn="l" defTabSz="914400" rtl="0" eaLnBrk="1" latinLnBrk="0" hangingPunct="1">
+      <a:lvl1pPr marL="91440" indent="-91440" algn="l" defTabSz="914400" rtl="0" eaLnBrk="1" latinLnBrk="0" hangingPunct="1">
         <a:lnSpc>
           <a:spcPct val="90000"/>
         </a:lnSpc>
         <a:spcBef>
-          <a:spcPts val="1000"/>
+          <a:spcPts val="1200"/>
         </a:spcBef>
-        <a:buFont typeface="Arial" panose="020B0604020202020204" pitchFamily="34" charset="0"/>
-        <a:buChar char="•"/>
-        <a:defRPr sz="2800" kern="1200">
+        <a:spcAft>
+          <a:spcPts val="200"/>
+        </a:spcAft>
+        <a:buClr>
+          <a:schemeClr val="accent1"/>
+        </a:buClr>
+        <a:buSzPct val="100000"/>
+        <a:buFont typeface="Calibri" panose="020F0502020204030204" pitchFamily="34" charset="0"/>
+        <a:buChar char=" "/>
+        <a:defRPr sz="2000" kern="1200">
           <a:solidFill>
-            <a:schemeClr val="tx1"/>
+            <a:schemeClr val="tx1">
+              <a:lumMod val="75000"/>
+              <a:lumOff val="25000"/>
+            </a:schemeClr>
           </a:solidFill>
           <a:latin typeface="+mn-lt"/>
           <a:ea typeface="+mn-ea"/>
           <a:cs typeface="+mn-cs"/>
         </a:defRPr>
       </a:lvl1pPr>
-      <a:lvl2pPr marL="685800" indent="-228600" algn="l" defTabSz="914400" rtl="0" eaLnBrk="1" latinLnBrk="0" hangingPunct="1">
+      <a:lvl2pPr marL="384048" indent="-182880" algn="l" defTabSz="914400" rtl="0" eaLnBrk="1" latinLnBrk="0" hangingPunct="1">
         <a:lnSpc>
           <a:spcPct val="90000"/>
         </a:lnSpc>
         <a:spcBef>
-          <a:spcPts val="500"/>
+          <a:spcPts val="200"/>
         </a:spcBef>
-        <a:buFont typeface="Arial" panose="020B0604020202020204" pitchFamily="34" charset="0"/>
-        <a:buChar char="•"/>
-        <a:defRPr sz="2400" kern="1200">
+        <a:spcAft>
+          <a:spcPts val="400"/>
+        </a:spcAft>
+        <a:buClr>
+          <a:schemeClr val="accent1"/>
+        </a:buClr>
+        <a:buFont typeface="Calibri" pitchFamily="34" charset="0"/>
+        <a:buChar char="◦"/>
+        <a:defRPr sz="1800" kern="1200">
           <a:solidFill>
-            <a:schemeClr val="tx1"/>
+            <a:schemeClr val="tx1">
+              <a:lumMod val="75000"/>
+              <a:lumOff val="25000"/>
+            </a:schemeClr>
           </a:solidFill>
           <a:latin typeface="+mn-lt"/>
           <a:ea typeface="+mn-ea"/>
           <a:cs typeface="+mn-cs"/>
         </a:defRPr>
       </a:lvl2pPr>
-      <a:lvl3pPr marL="1143000" indent="-228600" algn="l" defTabSz="914400" rtl="0" eaLnBrk="1" latinLnBrk="0" hangingPunct="1">
+      <a:lvl3pPr marL="566928" indent="-182880" algn="l" defTabSz="914400" rtl="0" eaLnBrk="1" latinLnBrk="0" hangingPunct="1">
         <a:lnSpc>
           <a:spcPct val="90000"/>
         </a:lnSpc>
         <a:spcBef>
-          <a:spcPts val="500"/>
+          <a:spcPts val="200"/>
         </a:spcBef>
-        <a:buFont typeface="Arial" panose="020B0604020202020204" pitchFamily="34" charset="0"/>
-        <a:buChar char="•"/>
-        <a:defRPr sz="2000" kern="1200">
+        <a:spcAft>
+          <a:spcPts val="400"/>
+        </a:spcAft>
+        <a:buClr>
+          <a:schemeClr val="accent1"/>
+        </a:buClr>
+        <a:buFont typeface="Calibri" pitchFamily="34" charset="0"/>
+        <a:buChar char="◦"/>
+        <a:defRPr sz="1400" kern="1200">
           <a:solidFill>
-            <a:schemeClr val="tx1"/>
+            <a:schemeClr val="tx1">
+              <a:lumMod val="75000"/>
+              <a:lumOff val="25000"/>
+            </a:schemeClr>
           </a:solidFill>
           <a:latin typeface="+mn-lt"/>
           <a:ea typeface="+mn-ea"/>
           <a:cs typeface="+mn-cs"/>
         </a:defRPr>
       </a:lvl3pPr>
-      <a:lvl4pPr marL="1600200" indent="-228600" algn="l" defTabSz="914400" rtl="0" eaLnBrk="1" latinLnBrk="0" hangingPunct="1">
+      <a:lvl4pPr marL="749808" indent="-182880" algn="l" defTabSz="914400" rtl="0" eaLnBrk="1" latinLnBrk="0" hangingPunct="1">
         <a:lnSpc>
           <a:spcPct val="90000"/>
         </a:lnSpc>
         <a:spcBef>
-          <a:spcPts val="500"/>
+          <a:spcPts val="200"/>
         </a:spcBef>
-        <a:buFont typeface="Arial" panose="020B0604020202020204" pitchFamily="34" charset="0"/>
-        <a:buChar char="•"/>
-        <a:defRPr sz="1800" kern="1200">
+        <a:spcAft>
+          <a:spcPts val="400"/>
+        </a:spcAft>
+        <a:buClr>
+          <a:schemeClr val="accent1"/>
+        </a:buClr>
+        <a:buFont typeface="Calibri" pitchFamily="34" charset="0"/>
+        <a:buChar char="◦"/>
+        <a:defRPr sz="1400" kern="1200">
           <a:solidFill>
-            <a:schemeClr val="tx1"/>
+            <a:schemeClr val="tx1">
+              <a:lumMod val="75000"/>
+              <a:lumOff val="25000"/>
+            </a:schemeClr>
           </a:solidFill>
           <a:latin typeface="+mn-lt"/>
           <a:ea typeface="+mn-ea"/>
           <a:cs typeface="+mn-cs"/>
         </a:defRPr>
       </a:lvl4pPr>
-      <a:lvl5pPr marL="2057400" indent="-228600" algn="l" defTabSz="914400" rtl="0" eaLnBrk="1" latinLnBrk="0" hangingPunct="1">
+      <a:lvl5pPr marL="932688" indent="-182880" algn="l" defTabSz="914400" rtl="0" eaLnBrk="1" latinLnBrk="0" hangingPunct="1">
         <a:lnSpc>
           <a:spcPct val="90000"/>
         </a:lnSpc>
         <a:spcBef>
-          <a:spcPts val="500"/>
+          <a:spcPts val="200"/>
         </a:spcBef>
-        <a:buFont typeface="Arial" panose="020B0604020202020204" pitchFamily="34" charset="0"/>
-        <a:buChar char="•"/>
-        <a:defRPr sz="1800" kern="1200">
+        <a:spcAft>
+          <a:spcPts val="400"/>
+        </a:spcAft>
+        <a:buClr>
+          <a:schemeClr val="accent1"/>
+        </a:buClr>
+        <a:buFont typeface="Calibri" pitchFamily="34" charset="0"/>
+        <a:buChar char="◦"/>
+        <a:defRPr sz="1400" kern="1200">
           <a:solidFill>
-            <a:schemeClr val="tx1"/>
+            <a:schemeClr val="tx1">
+              <a:lumMod val="75000"/>
+              <a:lumOff val="25000"/>
+            </a:schemeClr>
           </a:solidFill>
           <a:latin typeface="+mn-lt"/>
           <a:ea typeface="+mn-ea"/>
           <a:cs typeface="+mn-cs"/>
         </a:defRPr>
       </a:lvl5pPr>
-      <a:lvl6pPr marL="2514600" indent="-228600" algn="l" defTabSz="914400" rtl="0" eaLnBrk="1" latinLnBrk="0" hangingPunct="1">
+      <a:lvl6pPr marL="1100000" indent="-228600" algn="l" defTabSz="914400" rtl="0" eaLnBrk="1" latinLnBrk="0" hangingPunct="1">
         <a:lnSpc>
           <a:spcPct val="90000"/>
         </a:lnSpc>
         <a:spcBef>
-          <a:spcPts val="500"/>
+          <a:spcPts val="200"/>
         </a:spcBef>
-        <a:buFont typeface="Arial" panose="020B0604020202020204" pitchFamily="34" charset="0"/>
-        <a:buChar char="•"/>
-        <a:defRPr sz="1800" kern="1200">
+        <a:spcAft>
+          <a:spcPts val="400"/>
+        </a:spcAft>
+        <a:buClr>
+          <a:schemeClr val="accent1"/>
+        </a:buClr>
+        <a:buFont typeface="Calibri" pitchFamily="34" charset="0"/>
+        <a:buChar char="◦"/>
+        <a:defRPr sz="1400" kern="1200">
           <a:solidFill>
-            <a:schemeClr val="tx1"/>
+            <a:schemeClr val="tx1">
+              <a:lumMod val="75000"/>
+              <a:lumOff val="25000"/>
+            </a:schemeClr>
           </a:solidFill>
           <a:latin typeface="+mn-lt"/>
           <a:ea typeface="+mn-ea"/>
           <a:cs typeface="+mn-cs"/>
         </a:defRPr>
       </a:lvl6pPr>
-      <a:lvl7pPr marL="2971800" indent="-228600" algn="l" defTabSz="914400" rtl="0" eaLnBrk="1" latinLnBrk="0" hangingPunct="1">
+      <a:lvl7pPr marL="1300000" indent="-228600" algn="l" defTabSz="914400" rtl="0" eaLnBrk="1" latinLnBrk="0" hangingPunct="1">
         <a:lnSpc>
           <a:spcPct val="90000"/>
         </a:lnSpc>
         <a:spcBef>
-          <a:spcPts val="500"/>
+          <a:spcPts val="200"/>
         </a:spcBef>
-        <a:buFont typeface="Arial" panose="020B0604020202020204" pitchFamily="34" charset="0"/>
-        <a:buChar char="•"/>
-        <a:defRPr sz="1800" kern="1200">
+        <a:spcAft>
+          <a:spcPts val="400"/>
+        </a:spcAft>
+        <a:buClr>
+          <a:schemeClr val="accent1"/>
+        </a:buClr>
+        <a:buFont typeface="Calibri" pitchFamily="34" charset="0"/>
+        <a:buChar char="◦"/>
+        <a:defRPr sz="1400" kern="1200">
           <a:solidFill>
-            <a:schemeClr val="tx1"/>
+            <a:schemeClr val="tx1">
+              <a:lumMod val="75000"/>
+              <a:lumOff val="25000"/>
+            </a:schemeClr>
           </a:solidFill>
           <a:latin typeface="+mn-lt"/>
           <a:ea typeface="+mn-ea"/>
           <a:cs typeface="+mn-cs"/>
         </a:defRPr>
       </a:lvl7pPr>
-      <a:lvl8pPr marL="3429000" indent="-228600" algn="l" defTabSz="914400" rtl="0" eaLnBrk="1" latinLnBrk="0" hangingPunct="1">
+      <a:lvl8pPr marL="1500000" indent="-228600" algn="l" defTabSz="914400" rtl="0" eaLnBrk="1" latinLnBrk="0" hangingPunct="1">
         <a:lnSpc>
           <a:spcPct val="90000"/>
         </a:lnSpc>
         <a:spcBef>
-          <a:spcPts val="500"/>
+          <a:spcPts val="200"/>
         </a:spcBef>
-        <a:buFont typeface="Arial" panose="020B0604020202020204" pitchFamily="34" charset="0"/>
-        <a:buChar char="•"/>
-        <a:defRPr sz="1800" kern="1200">
+        <a:spcAft>
+          <a:spcPts val="400"/>
+        </a:spcAft>
+        <a:buClr>
+          <a:schemeClr val="accent1"/>
+        </a:buClr>
+        <a:buFont typeface="Calibri" pitchFamily="34" charset="0"/>
+        <a:buChar char="◦"/>
+        <a:defRPr sz="1400" kern="1200">
           <a:solidFill>
-            <a:schemeClr val="tx1"/>
+            <a:schemeClr val="tx1">
+              <a:lumMod val="75000"/>
+              <a:lumOff val="25000"/>
+            </a:schemeClr>
           </a:solidFill>
           <a:latin typeface="+mn-lt"/>
           <a:ea typeface="+mn-ea"/>
           <a:cs typeface="+mn-cs"/>
         </a:defRPr>
       </a:lvl8pPr>
-      <a:lvl9pPr marL="3886200" indent="-228600" algn="l" defTabSz="914400" rtl="0" eaLnBrk="1" latinLnBrk="0" hangingPunct="1">
+      <a:lvl9pPr marL="1700000" indent="-228600" algn="l" defTabSz="914400" rtl="0" eaLnBrk="1" latinLnBrk="0" hangingPunct="1">
         <a:lnSpc>
           <a:spcPct val="90000"/>
         </a:lnSpc>
         <a:spcBef>
-          <a:spcPts val="500"/>
+          <a:spcPts val="200"/>
         </a:spcBef>
-        <a:buFont typeface="Arial" panose="020B0604020202020204" pitchFamily="34" charset="0"/>
-        <a:buChar char="•"/>
-        <a:defRPr sz="1800" kern="1200">
+        <a:spcAft>
+          <a:spcPts val="400"/>
+        </a:spcAft>
+        <a:buClr>
+          <a:schemeClr val="accent1"/>
+        </a:buClr>
+        <a:buFont typeface="Calibri" pitchFamily="34" charset="0"/>
+        <a:buChar char="◦"/>
+        <a:defRPr sz="1400" kern="1200">
           <a:solidFill>
-            <a:schemeClr val="tx1"/>
+            <a:schemeClr val="tx1">
+              <a:lumMod val="75000"/>
+              <a:lumOff val="25000"/>
+            </a:schemeClr>
           </a:solidFill>
           <a:latin typeface="+mn-lt"/>
           <a:ea typeface="+mn-ea"/>
@@ -2854,7 +3696,7 @@
     </p:bodyStyle>
     <p:otherStyle>
       <a:defPPr>
-        <a:defRPr lang="de-DE"/>
+        <a:defRPr lang="en-US"/>
       </a:defPPr>
       <a:lvl1pPr marL="0" algn="l" defTabSz="914400" rtl="0" eaLnBrk="1" latinLnBrk="0" hangingPunct="1">
         <a:defRPr sz="1800" kern="1200">
@@ -2970,12 +3812,12 @@
       </p:grpSpPr>
       <p:sp>
         <p:nvSpPr>
-          <p:cNvPr id="2" name="Titel 1"/>
-          <p:cNvSpPr>
-            <a:spLocks noGrp="1"/>
-          </p:cNvSpPr>
-          <p:nvPr>
-            <p:ph type="ctrTitle"/>
+          <p:cNvPr id="3" name="Untertitel 2"/>
+          <p:cNvSpPr>
+            <a:spLocks noGrp="1"/>
+          </p:cNvSpPr>
+          <p:nvPr>
+            <p:ph type="subTitle" idx="1"/>
           </p:nvPr>
         </p:nvSpPr>
         <p:spPr/>
@@ -2983,25 +3825,35 @@
           <a:bodyPr/>
           <a:lstStyle/>
           <a:p>
-            <a:endParaRPr lang="de-DE" dirty="0"/>
-          </a:p>
-        </p:txBody>
-      </p:sp>
-      <p:sp>
-        <p:nvSpPr>
-          <p:cNvPr id="3" name="Untertitel 2"/>
-          <p:cNvSpPr>
-            <a:spLocks noGrp="1"/>
-          </p:cNvSpPr>
-          <p:nvPr>
-            <p:ph type="subTitle" idx="1"/>
-          </p:nvPr>
-        </p:nvSpPr>
-        <p:spPr/>
-        <p:txBody>
-          <a:bodyPr/>
-          <a:lstStyle/>
-          <a:p>
+            <a:pPr algn="ctr"/>
+            <a:r>
+              <a:rPr lang="de-DE" dirty="0" smtClean="0"/>
+              <a:t>Max</a:t>
+            </a:r>
+            <a:r>
+              <a:rPr lang="de-DE" dirty="0"/>
+              <a:t>	</a:t>
+            </a:r>
+            <a:r>
+              <a:rPr lang="de-DE" dirty="0" smtClean="0"/>
+              <a:t>	</a:t>
+            </a:r>
+            <a:r>
+              <a:rPr lang="de-DE" dirty="0" smtClean="0"/>
+              <a:t>anthony</a:t>
+            </a:r>
+            <a:r>
+              <a:rPr lang="de-DE" dirty="0"/>
+              <a:t>	</a:t>
+            </a:r>
+            <a:r>
+              <a:rPr lang="de-DE" dirty="0" smtClean="0"/>
+              <a:t>	</a:t>
+            </a:r>
+            <a:r>
+              <a:rPr lang="de-DE" dirty="0" smtClean="0"/>
+              <a:t>Patrick		oussama</a:t>
+            </a:r>
             <a:endParaRPr lang="de-DE" dirty="0"/>
           </a:p>
         </p:txBody>
@@ -3028,7 +3880,7 @@
         </p:blipFill>
         <p:spPr>
           <a:xfrm>
-            <a:off x="2610286" y="1836735"/>
+            <a:off x="2610286" y="1468705"/>
             <a:ext cx="6971428" cy="2133333"/>
           </a:xfrm>
           <a:prstGeom prst="rect">
@@ -3075,7 +3927,7 @@
       </p:grpSpPr>
       <p:sp>
         <p:nvSpPr>
-          <p:cNvPr id="2" name="Titel 1"/>
+          <p:cNvPr id="4" name="Titel 3"/>
           <p:cNvSpPr>
             <a:spLocks noGrp="1"/>
           </p:cNvSpPr>
@@ -3083,85 +3935,109 @@
             <p:ph type="title"/>
           </p:nvPr>
         </p:nvSpPr>
-        <p:spPr>
-          <a:xfrm>
-            <a:off x="838200" y="365126"/>
-            <a:ext cx="10515600" cy="549274"/>
-          </a:xfrm>
-        </p:spPr>
+        <p:spPr/>
+        <p:txBody>
+          <a:bodyPr/>
+          <a:lstStyle/>
+          <a:p>
+            <a:r>
+              <a:rPr lang="de-DE" dirty="0"/>
+              <a:t>Gliederung</a:t>
+            </a:r>
+          </a:p>
+        </p:txBody>
+      </p:sp>
+      <p:sp>
+        <p:nvSpPr>
+          <p:cNvPr id="3" name="Inhaltsplatzhalter 2"/>
+          <p:cNvSpPr>
+            <a:spLocks noGrp="1"/>
+          </p:cNvSpPr>
+          <p:nvPr>
+            <p:ph idx="1"/>
+          </p:nvPr>
+        </p:nvSpPr>
+        <p:spPr/>
         <p:txBody>
           <a:bodyPr>
-            <a:normAutofit fontScale="90000"/>
+            <a:normAutofit/>
           </a:bodyPr>
           <a:lstStyle/>
           <a:p>
-            <a:r>
-              <a:rPr lang="de-DE" dirty="0" smtClean="0"/>
-              <a:t>Gliederung</a:t>
-            </a:r>
-            <a:endParaRPr lang="de-DE" dirty="0"/>
-          </a:p>
-        </p:txBody>
-      </p:sp>
-      <p:sp>
-        <p:nvSpPr>
-          <p:cNvPr id="3" name="Inhaltsplatzhalter 2"/>
-          <p:cNvSpPr>
-            <a:spLocks noGrp="1"/>
-          </p:cNvSpPr>
-          <p:nvPr>
-            <p:ph idx="1"/>
-          </p:nvPr>
-        </p:nvSpPr>
-        <p:spPr>
-          <a:xfrm>
-            <a:off x="838200" y="1690777"/>
-            <a:ext cx="10515600" cy="4486186"/>
-          </a:xfrm>
-        </p:spPr>
-        <p:txBody>
-          <a:bodyPr/>
-          <a:lstStyle/>
-          <a:p>
-            <a:r>
-              <a:rPr lang="de-DE" dirty="0" smtClean="0">
+            <a:pPr>
+              <a:lnSpc>
+                <a:spcPct val="150000"/>
+              </a:lnSpc>
+              <a:buFont typeface="Wingdings" panose="05000000000000000000" pitchFamily="2" charset="2"/>
+              <a:buChar char="v"/>
+            </a:pPr>
+            <a:r>
+              <a:rPr lang="de-DE" sz="2400" dirty="0" smtClean="0">
                 <a:cs typeface="Times New Roman" panose="02020603050405020304" pitchFamily="18" charset="0"/>
               </a:rPr>
               <a:t>Spielprinzip</a:t>
             </a:r>
           </a:p>
           <a:p>
-            <a:r>
-              <a:rPr lang="de-DE" dirty="0" smtClean="0">
+            <a:pPr>
+              <a:lnSpc>
+                <a:spcPct val="150000"/>
+              </a:lnSpc>
+              <a:buFont typeface="Wingdings" panose="05000000000000000000" pitchFamily="2" charset="2"/>
+              <a:buChar char="v"/>
+            </a:pPr>
+            <a:r>
+              <a:rPr lang="de-DE" sz="2400" dirty="0" smtClean="0">
                 <a:cs typeface="Times New Roman" panose="02020603050405020304" pitchFamily="18" charset="0"/>
               </a:rPr>
               <a:t>Nutzung von Queue</a:t>
             </a:r>
           </a:p>
           <a:p>
-            <a:r>
-              <a:rPr lang="de-DE" dirty="0" smtClean="0">
+            <a:pPr>
+              <a:lnSpc>
+                <a:spcPct val="150000"/>
+              </a:lnSpc>
+              <a:buFont typeface="Wingdings" panose="05000000000000000000" pitchFamily="2" charset="2"/>
+              <a:buChar char="v"/>
+            </a:pPr>
+            <a:r>
+              <a:rPr lang="de-DE" sz="2400" dirty="0" smtClean="0">
                 <a:cs typeface="Times New Roman" panose="02020603050405020304" pitchFamily="18" charset="0"/>
               </a:rPr>
               <a:t>Nutzung von einem Array</a:t>
             </a:r>
           </a:p>
           <a:p>
-            <a:r>
-              <a:rPr lang="de-DE" dirty="0" smtClean="0">
+            <a:pPr>
+              <a:lnSpc>
+                <a:spcPct val="150000"/>
+              </a:lnSpc>
+              <a:buFont typeface="Wingdings" panose="05000000000000000000" pitchFamily="2" charset="2"/>
+              <a:buChar char="v"/>
+            </a:pPr>
+            <a:r>
+              <a:rPr lang="de-DE" sz="2400" dirty="0" smtClean="0">
                 <a:cs typeface="Times New Roman" panose="02020603050405020304" pitchFamily="18" charset="0"/>
               </a:rPr>
               <a:t>Nutzung von List</a:t>
             </a:r>
           </a:p>
           <a:p>
-            <a:r>
-              <a:rPr lang="de-DE" dirty="0" smtClean="0">
+            <a:pPr>
+              <a:lnSpc>
+                <a:spcPct val="150000"/>
+              </a:lnSpc>
+              <a:buFont typeface="Wingdings" panose="05000000000000000000" pitchFamily="2" charset="2"/>
+              <a:buChar char="v"/>
+            </a:pPr>
+            <a:r>
+              <a:rPr lang="de-DE" sz="2400" dirty="0" smtClean="0">
                 <a:cs typeface="Times New Roman" panose="02020603050405020304" pitchFamily="18" charset="0"/>
               </a:rPr>
               <a:t>Nutzung von Stack</a:t>
             </a:r>
-            <a:endParaRPr lang="de-DE" dirty="0">
+            <a:endParaRPr lang="de-DE" sz="2400" dirty="0">
               <a:cs typeface="Times New Roman" panose="02020603050405020304" pitchFamily="18" charset="0"/>
             </a:endParaRPr>
           </a:p>
@@ -3239,7 +4115,7 @@
           </p:nvPr>
         </p:nvPicPr>
         <p:blipFill>
-          <a:blip r:embed="rId2">
+          <a:blip r:embed="rId2" cstate="print">
             <a:extLst>
               <a:ext uri="{28A0092B-C50C-407E-A947-70E740481C1C}">
                 <a14:useLocalDpi xmlns:a14="http://schemas.microsoft.com/office/drawing/2010/main" val="0"/>
@@ -3252,8 +4128,8 @@
         </p:blipFill>
         <p:spPr>
           <a:xfrm>
-            <a:off x="2319709" y="1496243"/>
-            <a:ext cx="7542352" cy="4188566"/>
+            <a:off x="5712176" y="2473006"/>
+            <a:ext cx="5605679" cy="3046027"/>
           </a:xfrm>
         </p:spPr>
       </p:pic>
@@ -3265,8 +4141,8 @@
         </p:nvSpPr>
         <p:spPr>
           <a:xfrm>
-            <a:off x="2014904" y="5762445"/>
-            <a:ext cx="8151961" cy="923330"/>
+            <a:off x="547348" y="2657191"/>
+            <a:ext cx="5074517" cy="2677656"/>
           </a:xfrm>
           <a:prstGeom prst="rect">
             <a:avLst/>
@@ -3280,24 +4156,36 @@
           <a:lstStyle/>
           <a:p>
             <a:r>
-              <a:rPr lang="de-DE" dirty="0" smtClean="0"/>
+              <a:rPr lang="de-DE" sz="2400" dirty="0" smtClean="0"/>
               <a:t>Ein Spieler kämpft gegen Zombies auf einem Planeten des Sonnensystems. </a:t>
             </a:r>
           </a:p>
           <a:p>
             <a:r>
-              <a:rPr lang="de-DE" dirty="0" smtClean="0"/>
-              <a:t>Die Zombies und der Spieler können Kugeln schießen, um zu kämpfen. Der Spieler kann noch zusätzlich </a:t>
-            </a:r>
-            <a:r>
-              <a:rPr lang="de-DE" dirty="0" err="1" smtClean="0"/>
-              <a:t>Mana</a:t>
-            </a:r>
-            <a:r>
-              <a:rPr lang="de-DE" dirty="0" smtClean="0"/>
-              <a:t> benutzen und bekommt pro Zombie-kill Erfahrung. </a:t>
-            </a:r>
-            <a:endParaRPr lang="de-DE" dirty="0"/>
+              <a:rPr lang="de-DE" sz="2400" dirty="0" smtClean="0"/>
+              <a:t>Die Zombies und der Spieler können </a:t>
+            </a:r>
+            <a:r>
+              <a:rPr lang="de-DE" sz="2400" dirty="0" err="1" smtClean="0"/>
+              <a:t>Cast‘s</a:t>
+            </a:r>
+            <a:r>
+              <a:rPr lang="de-DE" sz="2400" dirty="0" smtClean="0"/>
+              <a:t> beschwören, </a:t>
+            </a:r>
+            <a:r>
+              <a:rPr lang="de-DE" sz="2400" dirty="0" smtClean="0"/>
+              <a:t>um zu kämpfen. Der Spieler kann noch zusätzlich Mana benutzen und bekommt pro </a:t>
+            </a:r>
+            <a:r>
+              <a:rPr lang="de-DE" sz="2400" dirty="0" smtClean="0"/>
+              <a:t>Zombiekill </a:t>
+            </a:r>
+            <a:r>
+              <a:rPr lang="de-DE" sz="2400" dirty="0" smtClean="0"/>
+              <a:t>Erfahrung. </a:t>
+            </a:r>
+            <a:endParaRPr lang="de-DE" sz="2400" dirty="0"/>
           </a:p>
         </p:txBody>
       </p:sp>
@@ -3353,9 +4241,14 @@
           <a:bodyPr/>
           <a:lstStyle/>
           <a:p>
+            <a:pPr algn="ctr"/>
             <a:r>
               <a:rPr lang="de-DE" dirty="0" smtClean="0"/>
-              <a:t>Nutzung von Queue		</a:t>
+              <a:t>Nutzung von </a:t>
+            </a:r>
+            <a:r>
+              <a:rPr lang="de-DE" dirty="0" smtClean="0"/>
+              <a:t>Queue</a:t>
             </a:r>
             <a:endParaRPr lang="de-DE" dirty="0"/>
           </a:p>
@@ -3385,7 +4278,7 @@
         </p:blipFill>
         <p:spPr>
           <a:xfrm>
-            <a:off x="1029603" y="1838063"/>
+            <a:off x="1185333" y="2220199"/>
             <a:ext cx="3801005" cy="962159"/>
           </a:xfrm>
         </p:spPr>
@@ -3412,7 +4305,7 @@
         </p:blipFill>
         <p:spPr>
           <a:xfrm>
-            <a:off x="7098735" y="1857115"/>
+            <a:off x="7364201" y="2239251"/>
             <a:ext cx="3791479" cy="943107"/>
           </a:xfrm>
           <a:prstGeom prst="rect">
@@ -3428,8 +4321,8 @@
         </p:nvSpPr>
         <p:spPr>
           <a:xfrm>
-            <a:off x="2527540" y="4589253"/>
-            <a:ext cx="7565366" cy="646331"/>
+            <a:off x="1463040" y="4307030"/>
+            <a:ext cx="9326880" cy="830997"/>
           </a:xfrm>
           <a:prstGeom prst="rect">
             <a:avLst/>
@@ -3442,17 +4335,19 @@
           </a:bodyPr>
           <a:lstStyle/>
           <a:p>
-            <a:r>
-              <a:rPr lang="de-DE" dirty="0" smtClean="0"/>
+            <a:pPr algn="ctr"/>
+            <a:r>
+              <a:rPr lang="de-DE" sz="2400" dirty="0" smtClean="0"/>
               <a:t>Oben Links am Rand schieben sich nacheinander Benachrichtigungen ein.</a:t>
             </a:r>
           </a:p>
           <a:p>
-            <a:r>
-              <a:rPr lang="de-DE" dirty="0" smtClean="0"/>
+            <a:pPr algn="ctr"/>
+            <a:r>
+              <a:rPr lang="de-DE" sz="2400" dirty="0" smtClean="0"/>
               <a:t>Diese werden in einer Queue gespeichert.</a:t>
             </a:r>
-            <a:endParaRPr lang="de-DE" dirty="0"/>
+            <a:endParaRPr lang="de-DE" sz="2400" dirty="0"/>
           </a:p>
         </p:txBody>
       </p:sp>
@@ -3508,6 +4403,7 @@
           <a:bodyPr/>
           <a:lstStyle/>
           <a:p>
+            <a:pPr algn="ctr"/>
             <a:r>
               <a:rPr lang="de-DE" dirty="0" smtClean="0"/>
               <a:t>Nutzung von einem Array</a:t>
@@ -3540,7 +4436,7 @@
         </p:blipFill>
         <p:spPr>
           <a:xfrm>
-            <a:off x="1294730" y="1537393"/>
+            <a:off x="1324893" y="2704939"/>
             <a:ext cx="9602540" cy="2305372"/>
           </a:xfrm>
         </p:spPr>
@@ -3553,8 +4449,8 @@
         </p:nvSpPr>
         <p:spPr>
           <a:xfrm>
-            <a:off x="2382328" y="4917057"/>
-            <a:ext cx="7427343" cy="369332"/>
+            <a:off x="2709705" y="5379901"/>
+            <a:ext cx="7427343" cy="400110"/>
           </a:xfrm>
           <a:prstGeom prst="rect">
             <a:avLst/>
@@ -3567,11 +4463,12 @@
           </a:bodyPr>
           <a:lstStyle/>
           <a:p>
-            <a:r>
-              <a:rPr lang="de-DE" dirty="0" smtClean="0"/>
+            <a:pPr algn="ctr"/>
+            <a:r>
+              <a:rPr lang="de-DE" sz="2000" dirty="0" smtClean="0"/>
               <a:t>Die 8 Level in Form von Planeten werden in einem Array gespeichert</a:t>
             </a:r>
-            <a:endParaRPr lang="de-DE" dirty="0"/>
+            <a:endParaRPr lang="de-DE" sz="2000" dirty="0"/>
           </a:p>
         </p:txBody>
       </p:sp>
@@ -3596,9 +4493,9 @@
 </file>
 
 <file path=ppt/theme/theme1.xml><?xml version="1.0" encoding="utf-8"?>
-<a:theme xmlns:a="http://schemas.openxmlformats.org/drawingml/2006/main" name="Office">
+<a:theme xmlns:a="http://schemas.openxmlformats.org/drawingml/2006/main" name="Rückblick">
   <a:themeElements>
-    <a:clrScheme name="Office">
+    <a:clrScheme name="Ganymed">
       <a:dk1>
         <a:sysClr val="windowText" lastClr="000000"/>
       </a:dk1>
@@ -3606,44 +4503,44 @@
         <a:sysClr val="window" lastClr="FFFFFF"/>
       </a:lt1>
       <a:dk2>
-        <a:srgbClr val="44546A"/>
+        <a:srgbClr val="323232"/>
       </a:dk2>
       <a:lt2>
-        <a:srgbClr val="E7E6E6"/>
+        <a:srgbClr val="E3DED1"/>
       </a:lt2>
       <a:accent1>
-        <a:srgbClr val="5B9BD5"/>
+        <a:srgbClr val="F07F09"/>
       </a:accent1>
       <a:accent2>
-        <a:srgbClr val="ED7D31"/>
+        <a:srgbClr val="9F2936"/>
       </a:accent2>
       <a:accent3>
-        <a:srgbClr val="A5A5A5"/>
+        <a:srgbClr val="1B587C"/>
       </a:accent3>
       <a:accent4>
-        <a:srgbClr val="FFC000"/>
+        <a:srgbClr val="4E8542"/>
       </a:accent4>
       <a:accent5>
-        <a:srgbClr val="4472C4"/>
+        <a:srgbClr val="604878"/>
       </a:accent5>
       <a:accent6>
-        <a:srgbClr val="70AD47"/>
+        <a:srgbClr val="C19859"/>
       </a:accent6>
       <a:hlink>
-        <a:srgbClr val="0563C1"/>
+        <a:srgbClr val="6B9F25"/>
       </a:hlink>
       <a:folHlink>
-        <a:srgbClr val="954F72"/>
+        <a:srgbClr val="B26B02"/>
       </a:folHlink>
     </a:clrScheme>
-    <a:fontScheme name="Office">
+    <a:fontScheme name="Rückblick">
       <a:majorFont>
         <a:latin typeface="Calibri Light" panose="020F0302020204030204"/>
         <a:ea typeface=""/>
         <a:cs typeface=""/>
-        <a:font script="Jpan" typeface="游ゴシック Light"/>
+        <a:font script="Jpan" typeface="ＭＳ Ｐゴシック"/>
         <a:font script="Hang" typeface="맑은 고딕"/>
-        <a:font script="Hans" typeface="等线 Light"/>
+        <a:font script="Hans" typeface="宋体"/>
         <a:font script="Hant" typeface="新細明體"/>
         <a:font script="Arab" typeface="Times New Roman"/>
         <a:font script="Hebr" typeface="Times New Roman"/>
@@ -3676,9 +4573,9 @@
         <a:latin typeface="Calibri" panose="020F0502020204030204"/>
         <a:ea typeface=""/>
         <a:cs typeface=""/>
-        <a:font script="Jpan" typeface="游ゴシック"/>
+        <a:font script="Jpan" typeface="ＭＳ Ｐゴシック"/>
         <a:font script="Hang" typeface="맑은 고딕"/>
-        <a:font script="Hans" typeface="等线"/>
+        <a:font script="Hans" typeface="宋体"/>
         <a:font script="Hant" typeface="新細明體"/>
         <a:font script="Arab" typeface="Arial"/>
         <a:font script="Hebr" typeface="Arial"/>
@@ -3708,7 +4605,7 @@
         <a:font script="Geor" typeface="Sylfaen"/>
       </a:minorFont>
     </a:fontScheme>
-    <a:fmtScheme name="Office">
+    <a:fmtScheme name="Rückblick">
       <a:fillStyleLst>
         <a:solidFill>
           <a:schemeClr val="phClr"/>
@@ -3717,76 +4614,81 @@
           <a:gsLst>
             <a:gs pos="0">
               <a:schemeClr val="phClr">
-                <a:lumMod val="110000"/>
-                <a:satMod val="105000"/>
-                <a:tint val="67000"/>
+                <a:tint val="65000"/>
+                <a:shade val="92000"/>
+                <a:satMod val="130000"/>
               </a:schemeClr>
             </a:gs>
-            <a:gs pos="50000">
+            <a:gs pos="45000">
               <a:schemeClr val="phClr">
-                <a:lumMod val="105000"/>
-                <a:satMod val="103000"/>
-                <a:tint val="73000"/>
+                <a:tint val="60000"/>
+                <a:shade val="99000"/>
+                <a:satMod val="120000"/>
               </a:schemeClr>
             </a:gs>
             <a:gs pos="100000">
               <a:schemeClr val="phClr">
-                <a:lumMod val="105000"/>
-                <a:satMod val="109000"/>
-                <a:tint val="81000"/>
+                <a:tint val="55000"/>
+                <a:satMod val="140000"/>
               </a:schemeClr>
             </a:gs>
           </a:gsLst>
-          <a:lin ang="5400000" scaled="0"/>
+          <a:path path="circle">
+            <a:fillToRect l="100000" t="100000" r="100000" b="100000"/>
+          </a:path>
         </a:gradFill>
         <a:gradFill rotWithShape="1">
           <a:gsLst>
             <a:gs pos="0">
               <a:schemeClr val="phClr">
-                <a:satMod val="103000"/>
-                <a:lumMod val="102000"/>
-                <a:tint val="94000"/>
+                <a:shade val="85000"/>
+                <a:satMod val="130000"/>
               </a:schemeClr>
             </a:gs>
-            <a:gs pos="50000">
+            <a:gs pos="34000">
               <a:schemeClr val="phClr">
-                <a:satMod val="110000"/>
-                <a:lumMod val="100000"/>
-                <a:shade val="100000"/>
+                <a:shade val="87000"/>
+                <a:satMod val="125000"/>
+              </a:schemeClr>
+            </a:gs>
+            <a:gs pos="70000">
+              <a:schemeClr val="phClr">
+                <a:tint val="100000"/>
+                <a:shade val="90000"/>
+                <a:satMod val="130000"/>
               </a:schemeClr>
             </a:gs>
             <a:gs pos="100000">
               <a:schemeClr val="phClr">
-                <a:lumMod val="99000"/>
-                <a:satMod val="120000"/>
-                <a:shade val="78000"/>
+                <a:tint val="100000"/>
+                <a:shade val="100000"/>
+                <a:satMod val="110000"/>
               </a:schemeClr>
             </a:gs>
           </a:gsLst>
-          <a:lin ang="5400000" scaled="0"/>
+          <a:path path="circle">
+            <a:fillToRect l="100000" t="100000" r="100000" b="100000"/>
+          </a:path>
         </a:gradFill>
       </a:fillStyleLst>
       <a:lnStyleLst>
-        <a:ln w="6350" cap="flat" cmpd="sng" algn="ctr">
-          <a:solidFill>
-            <a:schemeClr val="phClr"/>
-          </a:solidFill>
-          <a:prstDash val="solid"/>
-          <a:miter lim="800000"/>
-        </a:ln>
         <a:ln w="12700" cap="flat" cmpd="sng" algn="ctr">
           <a:solidFill>
             <a:schemeClr val="phClr"/>
           </a:solidFill>
           <a:prstDash val="solid"/>
-          <a:miter lim="800000"/>
         </a:ln>
-        <a:ln w="19050" cap="flat" cmpd="sng" algn="ctr">
+        <a:ln w="15875" cap="flat" cmpd="sng" algn="ctr">
           <a:solidFill>
             <a:schemeClr val="phClr"/>
           </a:solidFill>
           <a:prstDash val="solid"/>
-          <a:miter lim="800000"/>
+        </a:ln>
+        <a:ln w="25400" cap="flat" cmpd="sng" algn="ctr">
+          <a:solidFill>
+            <a:schemeClr val="phClr"/>
+          </a:solidFill>
+          <a:prstDash val="solid"/>
         </a:ln>
       </a:lnStyleLst>
       <a:effectStyleLst>
@@ -3794,16 +4696,33 @@
           <a:effectLst/>
         </a:effectStyle>
         <a:effectStyle>
-          <a:effectLst/>
+          <a:effectLst>
+            <a:outerShdw blurRad="38100" dist="25400" dir="2700000" algn="br" rotWithShape="0">
+              <a:srgbClr val="000000">
+                <a:alpha val="60000"/>
+              </a:srgbClr>
+            </a:outerShdw>
+          </a:effectLst>
         </a:effectStyle>
         <a:effectStyle>
           <a:effectLst>
-            <a:outerShdw blurRad="57150" dist="19050" dir="5400000" algn="ctr" rotWithShape="0">
+            <a:outerShdw blurRad="44450" dist="25400" dir="2700000" algn="br" rotWithShape="0">
               <a:srgbClr val="000000">
-                <a:alpha val="63000"/>
+                <a:alpha val="60000"/>
               </a:srgbClr>
             </a:outerShdw>
           </a:effectLst>
+          <a:scene3d>
+            <a:camera prst="orthographicFront">
+              <a:rot lat="0" lon="0" rev="0"/>
+            </a:camera>
+            <a:lightRig rig="threePt" dir="t">
+              <a:rot lat="0" lon="0" rev="19800000"/>
+            </a:lightRig>
+          </a:scene3d>
+          <a:sp3d prstMaterial="flat">
+            <a:bevelT w="25400" h="31750"/>
+          </a:sp3d>
         </a:effectStyle>
       </a:effectStyleLst>
       <a:bgFillStyleLst>
@@ -3812,36 +4731,36 @@
         </a:solidFill>
         <a:solidFill>
           <a:schemeClr val="phClr">
-            <a:tint val="95000"/>
-            <a:satMod val="170000"/>
+            <a:tint val="90000"/>
+            <a:shade val="97000"/>
+            <a:satMod val="130000"/>
           </a:schemeClr>
         </a:solidFill>
         <a:gradFill rotWithShape="1">
           <a:gsLst>
             <a:gs pos="0">
               <a:schemeClr val="phClr">
-                <a:tint val="93000"/>
-                <a:satMod val="150000"/>
-                <a:shade val="98000"/>
-                <a:lumMod val="102000"/>
+                <a:tint val="96000"/>
+                <a:shade val="99000"/>
+                <a:satMod val="140000"/>
               </a:schemeClr>
             </a:gs>
-            <a:gs pos="50000">
+            <a:gs pos="65000">
               <a:schemeClr val="phClr">
-                <a:tint val="98000"/>
+                <a:tint val="100000"/>
+                <a:shade val="80000"/>
                 <a:satMod val="130000"/>
-                <a:shade val="90000"/>
-                <a:lumMod val="103000"/>
               </a:schemeClr>
             </a:gs>
             <a:gs pos="100000">
               <a:schemeClr val="phClr">
-                <a:shade val="63000"/>
+                <a:tint val="100000"/>
+                <a:shade val="48000"/>
                 <a:satMod val="120000"/>
               </a:schemeClr>
             </a:gs>
           </a:gsLst>
-          <a:lin ang="5400000" scaled="0"/>
+          <a:lin ang="16200000" scaled="0"/>
         </a:gradFill>
       </a:bgFillStyleLst>
     </a:fmtScheme>
@@ -3850,7 +4769,7 @@
   <a:extraClrSchemeLst/>
   <a:extLst>
     <a:ext uri="{05A4C25C-085E-4340-85A3-A5531E510DB2}">
-      <thm15:themeFamily xmlns:thm15="http://schemas.microsoft.com/office/thememl/2012/main" name="Office Theme" id="{62F939B6-93AF-4DB8-9C6B-D6C7DFDC589F}" vid="{4A3C46E8-61CC-4603-A589-7422A47A8E4A}"/>
+      <thm15:themeFamily xmlns:thm15="http://schemas.microsoft.com/office/thememl/2012/main" name="Retrospect" id="{5F128B03-DCCA-4EEB-AB3B-CF2899314A46}" vid="{BAB94BD4-5D6D-4148-AB57-A4CCF1FD4E0C}"/>
     </a:ext>
   </a:extLst>
 </a:theme>
